--- a/ppt(合) - 副本.pptx
+++ b/ppt(合) - 副本.pptx
@@ -225,7 +225,7 @@
           <a:p>
             <a:fld id="{9AFCDB49-D9C8-450E-BE46-79698F24D5E8}" type="datetimeFigureOut">
               <a:rPr lang="zh-CN" altLang="en-US" smtClean="0"/>
-              <a:t>2019/3/31</a:t>
+              <a:t>2019/4/1</a:t>
             </a:fld>
             <a:endParaRPr lang="zh-CN" altLang="en-US"/>
           </a:p>
@@ -1194,6 +1194,101 @@
           <a:lstStyle/>
           <a:p>
             <a:r>
+              <a:rPr lang="zh-CN" altLang="en-US" dirty="0"/>
+              <a:t>它这个内存管理主要讲的就是这个</a:t>
+            </a:r>
+            <a:r>
+              <a:rPr lang="en-US" altLang="zh-CN" dirty="0"/>
+              <a:t>Memory Interleaving</a:t>
+            </a:r>
+            <a:r>
+              <a:rPr lang="zh-CN" altLang="en-US"/>
+              <a:t>，意义</a:t>
+            </a:r>
+          </a:p>
+        </p:txBody>
+      </p:sp>
+      <p:sp>
+        <p:nvSpPr>
+          <p:cNvPr id="4" name="灯片编号占位符 3"/>
+          <p:cNvSpPr>
+            <a:spLocks noGrp="1"/>
+          </p:cNvSpPr>
+          <p:nvPr>
+            <p:ph type="sldNum" sz="quarter" idx="5"/>
+          </p:nvPr>
+        </p:nvSpPr>
+        <p:spPr/>
+        <p:txBody>
+          <a:bodyPr/>
+          <a:lstStyle/>
+          <a:p>
+            <a:fld id="{75202468-E1DA-47C7-87D9-878A75E9BE11}" type="slidenum">
+              <a:rPr lang="zh-CN" altLang="en-US" smtClean="0"/>
+              <a:t>17</a:t>
+            </a:fld>
+            <a:endParaRPr lang="zh-CN" altLang="en-US"/>
+          </a:p>
+        </p:txBody>
+      </p:sp>
+    </p:spTree>
+    <p:extLst>
+      <p:ext uri="{BB962C8B-B14F-4D97-AF65-F5344CB8AC3E}">
+        <p14:creationId xmlns:p14="http://schemas.microsoft.com/office/powerpoint/2010/main" val="2819840204"/>
+      </p:ext>
+    </p:extLst>
+  </p:cSld>
+  <p:clrMapOvr>
+    <a:masterClrMapping/>
+  </p:clrMapOvr>
+</p:notes>
+</file>
+
+<file path=ppt/notesSlides/notesSlide7.xml><?xml version="1.0" encoding="utf-8"?>
+<p:notes xmlns:a="http://schemas.openxmlformats.org/drawingml/2006/main" xmlns:r="http://schemas.openxmlformats.org/officeDocument/2006/relationships" xmlns:p="http://schemas.openxmlformats.org/presentationml/2006/main">
+  <p:cSld>
+    <p:spTree>
+      <p:nvGrpSpPr>
+        <p:cNvPr id="1" name=""/>
+        <p:cNvGrpSpPr/>
+        <p:nvPr/>
+      </p:nvGrpSpPr>
+      <p:grpSpPr>
+        <a:xfrm>
+          <a:off x="0" y="0"/>
+          <a:ext cx="0" cy="0"/>
+          <a:chOff x="0" y="0"/>
+          <a:chExt cx="0" cy="0"/>
+        </a:xfrm>
+      </p:grpSpPr>
+      <p:sp>
+        <p:nvSpPr>
+          <p:cNvPr id="2" name="幻灯片图像占位符 1"/>
+          <p:cNvSpPr>
+            <a:spLocks noGrp="1" noRot="1" noChangeAspect="1"/>
+          </p:cNvSpPr>
+          <p:nvPr>
+            <p:ph type="sldImg"/>
+          </p:nvPr>
+        </p:nvSpPr>
+        <p:spPr/>
+      </p:sp>
+      <p:sp>
+        <p:nvSpPr>
+          <p:cNvPr id="3" name="备注占位符 2"/>
+          <p:cNvSpPr>
+            <a:spLocks noGrp="1"/>
+          </p:cNvSpPr>
+          <p:nvPr>
+            <p:ph type="body" idx="1"/>
+          </p:nvPr>
+        </p:nvSpPr>
+        <p:spPr/>
+        <p:txBody>
+          <a:bodyPr/>
+          <a:lstStyle/>
+          <a:p>
+            <a:r>
               <a:rPr lang="en-US" altLang="zh-CN" dirty="0" err="1"/>
               <a:t>Alloc</a:t>
             </a:r>
@@ -1253,7 +1348,7 @@
 </p:notes>
 </file>
 
-<file path=ppt/notesSlides/notesSlide7.xml><?xml version="1.0" encoding="utf-8"?>
+<file path=ppt/notesSlides/notesSlide8.xml><?xml version="1.0" encoding="utf-8"?>
 <p:notes xmlns:a="http://schemas.openxmlformats.org/drawingml/2006/main" xmlns:r="http://schemas.openxmlformats.org/officeDocument/2006/relationships" xmlns:p="http://schemas.openxmlformats.org/presentationml/2006/main">
   <p:cSld>
     <p:spTree>
@@ -1502,7 +1597,7 @@
           <a:p>
             <a:fld id="{7BA0B183-0870-4423-89A3-1737EE52A100}" type="datetimeFigureOut">
               <a:rPr lang="zh-CN" altLang="en-US" smtClean="0"/>
-              <a:t>2019/3/31</a:t>
+              <a:t>2019/4/1</a:t>
             </a:fld>
             <a:endParaRPr lang="zh-CN" altLang="en-US"/>
           </a:p>
@@ -1700,7 +1795,7 @@
           <a:p>
             <a:fld id="{7BA0B183-0870-4423-89A3-1737EE52A100}" type="datetimeFigureOut">
               <a:rPr lang="zh-CN" altLang="en-US" smtClean="0"/>
-              <a:t>2019/3/31</a:t>
+              <a:t>2019/4/1</a:t>
             </a:fld>
             <a:endParaRPr lang="zh-CN" altLang="en-US"/>
           </a:p>
@@ -1908,7 +2003,7 @@
           <a:p>
             <a:fld id="{7BA0B183-0870-4423-89A3-1737EE52A100}" type="datetimeFigureOut">
               <a:rPr lang="zh-CN" altLang="en-US" smtClean="0"/>
-              <a:t>2019/3/31</a:t>
+              <a:t>2019/4/1</a:t>
             </a:fld>
             <a:endParaRPr lang="zh-CN" altLang="en-US"/>
           </a:p>
@@ -2106,7 +2201,7 @@
           <a:p>
             <a:fld id="{7BA0B183-0870-4423-89A3-1737EE52A100}" type="datetimeFigureOut">
               <a:rPr lang="zh-CN" altLang="en-US" smtClean="0"/>
-              <a:t>2019/3/31</a:t>
+              <a:t>2019/4/1</a:t>
             </a:fld>
             <a:endParaRPr lang="zh-CN" altLang="en-US"/>
           </a:p>
@@ -2381,7 +2476,7 @@
           <a:p>
             <a:fld id="{7BA0B183-0870-4423-89A3-1737EE52A100}" type="datetimeFigureOut">
               <a:rPr lang="zh-CN" altLang="en-US" smtClean="0"/>
-              <a:t>2019/3/31</a:t>
+              <a:t>2019/4/1</a:t>
             </a:fld>
             <a:endParaRPr lang="zh-CN" altLang="en-US"/>
           </a:p>
@@ -2646,7 +2741,7 @@
           <a:p>
             <a:fld id="{7BA0B183-0870-4423-89A3-1737EE52A100}" type="datetimeFigureOut">
               <a:rPr lang="zh-CN" altLang="en-US" smtClean="0"/>
-              <a:t>2019/3/31</a:t>
+              <a:t>2019/4/1</a:t>
             </a:fld>
             <a:endParaRPr lang="zh-CN" altLang="en-US"/>
           </a:p>
@@ -3058,7 +3153,7 @@
           <a:p>
             <a:fld id="{7BA0B183-0870-4423-89A3-1737EE52A100}" type="datetimeFigureOut">
               <a:rPr lang="zh-CN" altLang="en-US" smtClean="0"/>
-              <a:t>2019/3/31</a:t>
+              <a:t>2019/4/1</a:t>
             </a:fld>
             <a:endParaRPr lang="zh-CN" altLang="en-US"/>
           </a:p>
@@ -3199,7 +3294,7 @@
           <a:p>
             <a:fld id="{7BA0B183-0870-4423-89A3-1737EE52A100}" type="datetimeFigureOut">
               <a:rPr lang="zh-CN" altLang="en-US" smtClean="0"/>
-              <a:t>2019/3/31</a:t>
+              <a:t>2019/4/1</a:t>
             </a:fld>
             <a:endParaRPr lang="zh-CN" altLang="en-US"/>
           </a:p>
@@ -3312,7 +3407,7 @@
           <a:p>
             <a:fld id="{7BA0B183-0870-4423-89A3-1737EE52A100}" type="datetimeFigureOut">
               <a:rPr lang="zh-CN" altLang="en-US" smtClean="0"/>
-              <a:t>2019/3/31</a:t>
+              <a:t>2019/4/1</a:t>
             </a:fld>
             <a:endParaRPr lang="zh-CN" altLang="en-US"/>
           </a:p>
@@ -3623,7 +3718,7 @@
           <a:p>
             <a:fld id="{7BA0B183-0870-4423-89A3-1737EE52A100}" type="datetimeFigureOut">
               <a:rPr lang="zh-CN" altLang="en-US" smtClean="0"/>
-              <a:t>2019/3/31</a:t>
+              <a:t>2019/4/1</a:t>
             </a:fld>
             <a:endParaRPr lang="zh-CN" altLang="en-US"/>
           </a:p>
@@ -3911,7 +4006,7 @@
           <a:p>
             <a:fld id="{7BA0B183-0870-4423-89A3-1737EE52A100}" type="datetimeFigureOut">
               <a:rPr lang="zh-CN" altLang="en-US" smtClean="0"/>
-              <a:t>2019/3/31</a:t>
+              <a:t>2019/4/1</a:t>
             </a:fld>
             <a:endParaRPr lang="zh-CN" altLang="en-US"/>
           </a:p>
@@ -4152,7 +4247,7 @@
           <a:p>
             <a:fld id="{7BA0B183-0870-4423-89A3-1737EE52A100}" type="datetimeFigureOut">
               <a:rPr lang="zh-CN" altLang="en-US" smtClean="0"/>
-              <a:t>2019/3/31</a:t>
+              <a:t>2019/4/1</a:t>
             </a:fld>
             <a:endParaRPr lang="zh-CN" altLang="en-US"/>
           </a:p>
@@ -6714,6 +6809,36 @@
           </a:p>
         </p:txBody>
       </p:sp>
+      <p:pic>
+        <p:nvPicPr>
+          <p:cNvPr id="4" name="图片 3">
+            <a:extLst>
+              <a:ext uri="{FF2B5EF4-FFF2-40B4-BE49-F238E27FC236}">
+                <a16:creationId xmlns:a16="http://schemas.microsoft.com/office/drawing/2014/main" id="{4D2FA838-BF5A-4DF0-AAB8-F5EEDCBE273F}"/>
+              </a:ext>
+            </a:extLst>
+          </p:cNvPr>
+          <p:cNvPicPr>
+            <a:picLocks noChangeAspect="1"/>
+          </p:cNvPicPr>
+          <p:nvPr/>
+        </p:nvPicPr>
+        <p:blipFill>
+          <a:blip r:embed="rId2"/>
+          <a:stretch>
+            <a:fillRect/>
+          </a:stretch>
+        </p:blipFill>
+        <p:spPr>
+          <a:xfrm>
+            <a:off x="838199" y="3429000"/>
+            <a:ext cx="8450179" cy="2748025"/>
+          </a:xfrm>
+          <a:prstGeom prst="rect">
+            <a:avLst/>
+          </a:prstGeom>
+        </p:spPr>
+      </p:pic>
     </p:spTree>
     <p:extLst>
       <p:ext uri="{BB962C8B-B14F-4D97-AF65-F5344CB8AC3E}">
@@ -7009,6 +7134,36 @@
           </a:p>
         </p:txBody>
       </p:sp>
+      <p:pic>
+        <p:nvPicPr>
+          <p:cNvPr id="4" name="图片 3">
+            <a:extLst>
+              <a:ext uri="{FF2B5EF4-FFF2-40B4-BE49-F238E27FC236}">
+                <a16:creationId xmlns:a16="http://schemas.microsoft.com/office/drawing/2014/main" id="{1B43B882-A30F-47D5-9FB3-88EC48F60F24}"/>
+              </a:ext>
+            </a:extLst>
+          </p:cNvPr>
+          <p:cNvPicPr>
+            <a:picLocks noChangeAspect="1"/>
+          </p:cNvPicPr>
+          <p:nvPr/>
+        </p:nvPicPr>
+        <p:blipFill>
+          <a:blip r:embed="rId2"/>
+          <a:stretch>
+            <a:fillRect/>
+          </a:stretch>
+        </p:blipFill>
+        <p:spPr>
+          <a:xfrm>
+            <a:off x="5615031" y="3429000"/>
+            <a:ext cx="5738769" cy="2670674"/>
+          </a:xfrm>
+          <a:prstGeom prst="rect">
+            <a:avLst/>
+          </a:prstGeom>
+        </p:spPr>
+      </p:pic>
     </p:spTree>
     <p:extLst>
       <p:ext uri="{BB962C8B-B14F-4D97-AF65-F5344CB8AC3E}">

--- a/ppt(合) - 副本.pptx
+++ b/ppt(合) - 副本.pptx
@@ -9,26 +9,26 @@
   </p:notesMasterIdLst>
   <p:sldIdLst>
     <p:sldId id="256" r:id="rId2"/>
-    <p:sldId id="257" r:id="rId3"/>
-    <p:sldId id="260" r:id="rId4"/>
-    <p:sldId id="258" r:id="rId5"/>
-    <p:sldId id="259" r:id="rId6"/>
-    <p:sldId id="262" r:id="rId7"/>
-    <p:sldId id="263" r:id="rId8"/>
-    <p:sldId id="264" r:id="rId9"/>
-    <p:sldId id="261" r:id="rId10"/>
-    <p:sldId id="266" r:id="rId11"/>
-    <p:sldId id="265" r:id="rId12"/>
-    <p:sldId id="267" r:id="rId13"/>
-    <p:sldId id="268" r:id="rId14"/>
-    <p:sldId id="269" r:id="rId15"/>
-    <p:sldId id="270" r:id="rId16"/>
-    <p:sldId id="271" r:id="rId17"/>
-    <p:sldId id="272" r:id="rId18"/>
-    <p:sldId id="273" r:id="rId19"/>
-    <p:sldId id="275" r:id="rId20"/>
-    <p:sldId id="274" r:id="rId21"/>
-    <p:sldId id="276" r:id="rId22"/>
+    <p:sldId id="260" r:id="rId3"/>
+    <p:sldId id="258" r:id="rId4"/>
+    <p:sldId id="259" r:id="rId5"/>
+    <p:sldId id="262" r:id="rId6"/>
+    <p:sldId id="263" r:id="rId7"/>
+    <p:sldId id="264" r:id="rId8"/>
+    <p:sldId id="261" r:id="rId9"/>
+    <p:sldId id="266" r:id="rId10"/>
+    <p:sldId id="265" r:id="rId11"/>
+    <p:sldId id="267" r:id="rId12"/>
+    <p:sldId id="268" r:id="rId13"/>
+    <p:sldId id="269" r:id="rId14"/>
+    <p:sldId id="270" r:id="rId15"/>
+    <p:sldId id="271" r:id="rId16"/>
+    <p:sldId id="272" r:id="rId17"/>
+    <p:sldId id="273" r:id="rId18"/>
+    <p:sldId id="275" r:id="rId19"/>
+    <p:sldId id="274" r:id="rId20"/>
+    <p:sldId id="276" r:id="rId21"/>
+    <p:sldId id="257" r:id="rId22"/>
   </p:sldIdLst>
   <p:sldSz cx="12192000" cy="6858000"/>
   <p:notesSz cx="6858000" cy="9144000"/>
@@ -557,7 +557,7 @@
           <a:p>
             <a:fld id="{75202468-E1DA-47C7-87D9-878A75E9BE11}" type="slidenum">
               <a:rPr lang="zh-CN" altLang="en-US" smtClean="0"/>
-              <a:t>5</a:t>
+              <a:t>4</a:t>
             </a:fld>
             <a:endParaRPr lang="zh-CN" altLang="en-US"/>
           </a:p>
@@ -771,7 +771,7 @@
           <a:p>
             <a:fld id="{75202468-E1DA-47C7-87D9-878A75E9BE11}" type="slidenum">
               <a:rPr lang="zh-CN" altLang="en-US" smtClean="0"/>
-              <a:t>6</a:t>
+              <a:t>5</a:t>
             </a:fld>
             <a:endParaRPr lang="zh-CN" altLang="en-US"/>
           </a:p>
@@ -942,7 +942,7 @@
           <a:p>
             <a:fld id="{75202468-E1DA-47C7-87D9-878A75E9BE11}" type="slidenum">
               <a:rPr lang="zh-CN" altLang="en-US" smtClean="0"/>
-              <a:t>7</a:t>
+              <a:t>6</a:t>
             </a:fld>
             <a:endParaRPr lang="zh-CN" altLang="en-US"/>
           </a:p>
@@ -1046,7 +1046,7 @@
           <a:p>
             <a:fld id="{75202468-E1DA-47C7-87D9-878A75E9BE11}" type="slidenum">
               <a:rPr lang="zh-CN" altLang="en-US" smtClean="0"/>
-              <a:t>9</a:t>
+              <a:t>8</a:t>
             </a:fld>
             <a:endParaRPr lang="zh-CN" altLang="en-US"/>
           </a:p>
@@ -1130,7 +1130,7 @@
           <a:p>
             <a:fld id="{936835C0-0C2D-4EC3-BADF-AE5BD0A04FC9}" type="slidenum">
               <a:rPr lang="zh-CN" altLang="en-US" smtClean="0"/>
-              <a:t>13</a:t>
+              <a:t>12</a:t>
             </a:fld>
             <a:endParaRPr lang="zh-CN" altLang="en-US"/>
           </a:p>
@@ -1225,7 +1225,7 @@
           <a:p>
             <a:fld id="{75202468-E1DA-47C7-87D9-878A75E9BE11}" type="slidenum">
               <a:rPr lang="zh-CN" altLang="en-US" smtClean="0"/>
-              <a:t>17</a:t>
+              <a:t>16</a:t>
             </a:fld>
             <a:endParaRPr lang="zh-CN" altLang="en-US"/>
           </a:p>
@@ -1329,7 +1329,7 @@
           <a:p>
             <a:fld id="{75202468-E1DA-47C7-87D9-878A75E9BE11}" type="slidenum">
               <a:rPr lang="zh-CN" altLang="en-US" smtClean="0"/>
-              <a:t>18</a:t>
+              <a:t>17</a:t>
             </a:fld>
             <a:endParaRPr lang="zh-CN" altLang="en-US"/>
           </a:p>
@@ -1431,7 +1431,7 @@
           <a:p>
             <a:fld id="{75202468-E1DA-47C7-87D9-878A75E9BE11}" type="slidenum">
               <a:rPr lang="zh-CN" altLang="en-US" smtClean="0"/>
-              <a:t>21</a:t>
+              <a:t>20</a:t>
             </a:fld>
             <a:endParaRPr lang="zh-CN" altLang="en-US"/>
           </a:p>
@@ -4882,161 +4882,6 @@
       </p:sp>
       <p:pic>
         <p:nvPicPr>
-          <p:cNvPr id="1026" name="Picture 2" descr="*opcodes &#10;67 sd &#10;68 &#10;fence &#10;69 &#10;fence . t &#10;Itag &#10;72 &#10;73 sta &#10;74 &#10;tmm12ht &#10;31. &#10;31 &#10;rs2 tmm1210 14..12=3 &#10;rsl &#10;.28=tgnore pred succ &#10;.. 28=tgnore 27..20=tgnore &#10;19. .15=tgnore 14. &#10;19. .15=tgnore 14 &#10;. 12=0 11. &#10;..12=1 11. • &#10;.7=tgnore 6. &#10;.7=vgnore6 — &#10;. 2=-exe3 1. .e-3 &#10;.. 2-exo 1. .e-3 &#10;rd rsl &#10;tmm12ht &#10;rsl &#10;tmm12 14..12=0 6..2=0X15 1..0=3 &#10;rs2 tmm1210 14..12=1 6..2=0x15 1..0=3 ">
-            <a:extLst>
-              <a:ext uri="{FF2B5EF4-FFF2-40B4-BE49-F238E27FC236}">
-                <a16:creationId xmlns:a16="http://schemas.microsoft.com/office/drawing/2014/main" id="{DA860683-898B-43F4-ABC3-9F529F373505}"/>
-              </a:ext>
-            </a:extLst>
-          </p:cNvPr>
-          <p:cNvPicPr>
-            <a:picLocks noGrp="1" noChangeAspect="1" noChangeArrowheads="1"/>
-          </p:cNvPicPr>
-          <p:nvPr>
-            <p:ph idx="1"/>
-          </p:nvPr>
-        </p:nvPicPr>
-        <p:blipFill>
-          <a:blip r:embed="rId2">
-            <a:extLst>
-              <a:ext uri="{28A0092B-C50C-407E-A947-70E740481C1C}">
-                <a14:useLocalDpi xmlns:a14="http://schemas.microsoft.com/office/drawing/2010/main" val="0"/>
-              </a:ext>
-            </a:extLst>
-          </a:blip>
-          <a:srcRect/>
-          <a:stretch>
-            <a:fillRect/>
-          </a:stretch>
-        </p:blipFill>
-        <p:spPr bwMode="auto">
-          <a:xfrm>
-            <a:off x="838200" y="1690688"/>
-            <a:ext cx="8583223" cy="1819529"/>
-          </a:xfrm>
-          <a:prstGeom prst="rect">
-            <a:avLst/>
-          </a:prstGeom>
-          <a:noFill/>
-          <a:extLst>
-            <a:ext uri="{909E8E84-426E-40DD-AFC4-6F175D3DCCD1}">
-              <a14:hiddenFill xmlns:a14="http://schemas.microsoft.com/office/drawing/2010/main">
-                <a:solidFill>
-                  <a:srgbClr val="FFFFFF"/>
-                </a:solidFill>
-              </a14:hiddenFill>
-            </a:ext>
-          </a:extLst>
-        </p:spPr>
-      </p:pic>
-      <p:pic>
-        <p:nvPicPr>
-          <p:cNvPr id="1028" name="Picture 4" descr="opcodes-custom &#10;1 # custom e &#10;lbct &#10;2 &#10;Ihct &#10;3 &#10;Iwct &#10;4 &#10;Idct &#10;5 &#10;lbuct &#10;6 &#10;Ihuct &#10;7 &#10;lwuct &#10;8 &#10;9 Iłł &#10;1 # cus &#10;sbct &#10;2 &#10;shct &#10;3 &#10;swct &#10;4 &#10;sdct &#10;5 &#10;rd &#10;rd &#10;rd &#10;rd &#10;rd &#10;rd &#10;rd &#10;rd &#10;om 1 &#10;etag &#10;etag &#10;etag &#10;etag &#10;rsl &#10;rsl &#10;rsl &#10;rsl &#10;rsl &#10;rsl &#10;rsl &#10;rsl &#10;ntag &#10;ntag &#10;ntag &#10;ntag &#10;etag &#10;etag &#10;etag &#10;etag &#10;etag &#10;etag &#10;etag &#10;eta &#10;immłe &#10;immłe &#10;immłe &#10;immłe &#10;immłe &#10;immłe &#10;immłe &#10;immłe &#10;14. . 12- &#10;14. . 12 &#10;14. . 12 &#10;14. . 12 &#10;14. &#10;. 12 &#10;14. . 12 &#10;14. &#10;. 12=6 &#10;14. &#10;6..2=exe2 &#10;6. .2=exe2 &#10;6..2=exe2 &#10;6..2=exe2 &#10;6. .2=exe2 &#10;6. .2=exe2 &#10;6..2=exe2 &#10;6. .2=exe2 &#10;1..e=3 &#10;imm8hi &#10;imm8hi &#10;imm8hi &#10;imm8hi &#10;rsl &#10;rsl &#10;rsl &#10;rsl &#10;rs2 &#10;rs2 &#10;rs2 &#10;rs2 &#10;imm810 &#10;imm810 &#10;imm810 &#10;imm810 &#10;14. . 12 &#10;14. .12 &#10;14. . 12 &#10;14..12 &#10;6. .2=exeA &#10;6. .2=exeA &#10;6. .2=exeA &#10;1..e=3 &#10;-31 &#10;6. .2=exeA &#10;l..e- ">
-            <a:extLst>
-              <a:ext uri="{FF2B5EF4-FFF2-40B4-BE49-F238E27FC236}">
-                <a16:creationId xmlns:a16="http://schemas.microsoft.com/office/drawing/2014/main" id="{7940B2C5-77B9-4360-A86B-A2E6C6C570C6}"/>
-              </a:ext>
-            </a:extLst>
-          </p:cNvPr>
-          <p:cNvPicPr>
-            <a:picLocks noChangeAspect="1" noChangeArrowheads="1"/>
-          </p:cNvPicPr>
-          <p:nvPr/>
-        </p:nvPicPr>
-        <p:blipFill>
-          <a:blip r:embed="rId3">
-            <a:extLst>
-              <a:ext uri="{28A0092B-C50C-407E-A947-70E740481C1C}">
-                <a14:useLocalDpi xmlns:a14="http://schemas.microsoft.com/office/drawing/2010/main" val="0"/>
-              </a:ext>
-            </a:extLst>
-          </a:blip>
-          <a:srcRect/>
-          <a:stretch>
-            <a:fillRect/>
-          </a:stretch>
-        </p:blipFill>
-        <p:spPr bwMode="auto">
-          <a:xfrm>
-            <a:off x="838200" y="3510217"/>
-            <a:ext cx="8239125" cy="3209925"/>
-          </a:xfrm>
-          <a:prstGeom prst="rect">
-            <a:avLst/>
-          </a:prstGeom>
-          <a:noFill/>
-          <a:extLst>
-            <a:ext uri="{909E8E84-426E-40DD-AFC4-6F175D3DCCD1}">
-              <a14:hiddenFill xmlns:a14="http://schemas.microsoft.com/office/drawing/2010/main">
-                <a:solidFill>
-                  <a:srgbClr val="FFFFFF"/>
-                </a:solidFill>
-              </a14:hiddenFill>
-            </a:ext>
-          </a:extLst>
-        </p:spPr>
-      </p:pic>
-    </p:spTree>
-    <p:extLst>
-      <p:ext uri="{BB962C8B-B14F-4D97-AF65-F5344CB8AC3E}">
-        <p14:creationId xmlns:p14="http://schemas.microsoft.com/office/powerpoint/2010/main" val="2485775207"/>
-      </p:ext>
-    </p:extLst>
-  </p:cSld>
-  <p:clrMapOvr>
-    <a:masterClrMapping/>
-  </p:clrMapOvr>
-</p:sld>
-</file>
-
-<file path=ppt/slides/slide11.xml><?xml version="1.0" encoding="utf-8"?>
-<p:sld xmlns:a="http://schemas.openxmlformats.org/drawingml/2006/main" xmlns:r="http://schemas.openxmlformats.org/officeDocument/2006/relationships" xmlns:p="http://schemas.openxmlformats.org/presentationml/2006/main">
-  <p:cSld>
-    <p:spTree>
-      <p:nvGrpSpPr>
-        <p:cNvPr id="1" name=""/>
-        <p:cNvGrpSpPr/>
-        <p:nvPr/>
-      </p:nvGrpSpPr>
-      <p:grpSpPr>
-        <a:xfrm>
-          <a:off x="0" y="0"/>
-          <a:ext cx="0" cy="0"/>
-          <a:chOff x="0" y="0"/>
-          <a:chExt cx="0" cy="0"/>
-        </a:xfrm>
-      </p:grpSpPr>
-      <p:sp>
-        <p:nvSpPr>
-          <p:cNvPr id="2" name="标题 1">
-            <a:extLst>
-              <a:ext uri="{FF2B5EF4-FFF2-40B4-BE49-F238E27FC236}">
-                <a16:creationId xmlns:a16="http://schemas.microsoft.com/office/drawing/2014/main" id="{D245DDAE-3741-4EDF-B59B-C7FD50FE0607}"/>
-              </a:ext>
-            </a:extLst>
-          </p:cNvPr>
-          <p:cNvSpPr>
-            <a:spLocks noGrp="1"/>
-          </p:cNvSpPr>
-          <p:nvPr>
-            <p:ph type="title"/>
-          </p:nvPr>
-        </p:nvSpPr>
-        <p:spPr/>
-        <p:txBody>
-          <a:bodyPr/>
-          <a:lstStyle/>
-          <a:p>
-            <a:r>
-              <a:rPr lang="en-US" altLang="zh-CN" dirty="0"/>
-              <a:t>Tag-aware Instructions</a:t>
-            </a:r>
-            <a:endParaRPr lang="zh-CN" altLang="en-US" dirty="0"/>
-          </a:p>
-        </p:txBody>
-      </p:sp>
-      <p:pic>
-        <p:nvPicPr>
           <p:cNvPr id="2050" name="Picture 2" descr="5 &#10;6 &#10;7 &#10;8 &#10;9 &#10;10 &#10;11 &#10;12 &#10;13 &#10;14 &#10;15 &#10;16 &#10;17 &#10;18 &#10;19 &#10;20 &#10;21 &#10;1 #tnclude &lt;stdto.h&gt; &#10;2 &#10;3 int main() &#10;st, &#10;ut, &#10;st, &#10;ut, &#10;st, &#10;st, &#10;// For checking if asm + disas works &#10;asm &#10;asm &#10;asm &#10;asm &#10;asm &#10;asm &#10;asm &#10;asm &#10;asm &#10;asm &#10;asm &#10;asm &#10;asm &#10;asm &#10;al, &#10;al, &#10;al, &#10;al, &#10;(al)\n&quot; &#10;(al)\n&quot; &#10;(al)\n&quot; &#10;(al)\n&quot; &#10;al, (al)\n&quot; &#10;(al)\n&quot; &#10;al, &#10;(al)\n&quot; &#10;al, &#10;(al)\n&quot; &#10;al, &#10;al, (al)\n&quot; &#10;(al)\n&quot; &#10;al, &#10;(al)\n&quot; &#10;al, &#10;al, (al)\n&quot; &#10;al, (al)\n&quot; &#10;(al)\n&quot; &#10;al, ">
             <a:extLst>
               <a:ext uri="{FF2B5EF4-FFF2-40B4-BE49-F238E27FC236}">
@@ -5218,7 +5063,7 @@
 </p:sld>
 </file>
 
-<file path=ppt/slides/slide12.xml><?xml version="1.0" encoding="utf-8"?>
+<file path=ppt/slides/slide11.xml><?xml version="1.0" encoding="utf-8"?>
 <p:sld xmlns:a="http://schemas.openxmlformats.org/drawingml/2006/main" xmlns:r="http://schemas.openxmlformats.org/officeDocument/2006/relationships" xmlns:p="http://schemas.openxmlformats.org/presentationml/2006/main">
   <p:cSld>
     <p:spTree>
@@ -5484,7 +5329,7 @@
 </p:sld>
 </file>
 
-<file path=ppt/slides/slide13.xml><?xml version="1.0" encoding="utf-8"?>
+<file path=ppt/slides/slide12.xml><?xml version="1.0" encoding="utf-8"?>
 <p:sld xmlns:a="http://schemas.openxmlformats.org/drawingml/2006/main" xmlns:r="http://schemas.openxmlformats.org/officeDocument/2006/relationships" xmlns:p="http://schemas.openxmlformats.org/presentationml/2006/main">
   <p:cSld>
     <p:spTree>
@@ -5894,7 +5739,7 @@
 </p:sld>
 </file>
 
-<file path=ppt/slides/slide14.xml><?xml version="1.0" encoding="utf-8"?>
+<file path=ppt/slides/slide13.xml><?xml version="1.0" encoding="utf-8"?>
 <p:sld xmlns:a="http://schemas.openxmlformats.org/drawingml/2006/main" xmlns:r="http://schemas.openxmlformats.org/officeDocument/2006/relationships" xmlns:p="http://schemas.openxmlformats.org/presentationml/2006/main">
   <p:cSld>
     <p:spTree>
@@ -6188,6 +6033,138 @@
 </p:sld>
 </file>
 
+<file path=ppt/slides/slide14.xml><?xml version="1.0" encoding="utf-8"?>
+<p:sld xmlns:a="http://schemas.openxmlformats.org/drawingml/2006/main" xmlns:r="http://schemas.openxmlformats.org/officeDocument/2006/relationships" xmlns:p="http://schemas.openxmlformats.org/presentationml/2006/main">
+  <p:cSld>
+    <p:spTree>
+      <p:nvGrpSpPr>
+        <p:cNvPr id="1" name=""/>
+        <p:cNvGrpSpPr/>
+        <p:nvPr/>
+      </p:nvGrpSpPr>
+      <p:grpSpPr>
+        <a:xfrm>
+          <a:off x="0" y="0"/>
+          <a:ext cx="0" cy="0"/>
+          <a:chOff x="0" y="0"/>
+          <a:chExt cx="0" cy="0"/>
+        </a:xfrm>
+      </p:grpSpPr>
+      <p:sp>
+        <p:nvSpPr>
+          <p:cNvPr id="2" name="标题 1"/>
+          <p:cNvSpPr>
+            <a:spLocks noGrp="1"/>
+          </p:cNvSpPr>
+          <p:nvPr>
+            <p:ph type="title"/>
+          </p:nvPr>
+        </p:nvSpPr>
+        <p:spPr/>
+        <p:txBody>
+          <a:bodyPr/>
+          <a:lstStyle/>
+          <a:p>
+            <a:r>
+              <a:rPr lang="en-US" altLang="zh-CN" dirty="0"/>
+              <a:t>Security Analysis</a:t>
+            </a:r>
+            <a:endParaRPr lang="zh-CN" altLang="en-US" dirty="0"/>
+          </a:p>
+        </p:txBody>
+      </p:sp>
+      <p:sp>
+        <p:nvSpPr>
+          <p:cNvPr id="3" name="内容占位符 2"/>
+          <p:cNvSpPr>
+            <a:spLocks noGrp="1"/>
+          </p:cNvSpPr>
+          <p:nvPr>
+            <p:ph idx="1"/>
+          </p:nvPr>
+        </p:nvSpPr>
+        <p:spPr/>
+        <p:txBody>
+          <a:bodyPr/>
+          <a:lstStyle/>
+          <a:p>
+            <a:pPr>
+              <a:lnSpc>
+                <a:spcPct val="150000"/>
+              </a:lnSpc>
+            </a:pPr>
+            <a:r>
+              <a:rPr lang="en-US" altLang="zh-CN" dirty="0"/>
+              <a:t>OS manipulation during loading? </a:t>
+            </a:r>
+            <a:r>
+              <a:rPr lang="en-US" altLang="zh-CN" dirty="0">
+                <a:sym typeface="Wingdings" panose="05000000000000000000" pitchFamily="2" charset="2"/>
+              </a:rPr>
+              <a:t> load-time attestation(EID)</a:t>
+            </a:r>
+          </a:p>
+          <a:p>
+            <a:pPr>
+              <a:lnSpc>
+                <a:spcPct val="150000"/>
+              </a:lnSpc>
+            </a:pPr>
+            <a:r>
+              <a:rPr lang="en-US" altLang="zh-CN" dirty="0">
+                <a:sym typeface="Wingdings" panose="05000000000000000000" pitchFamily="2" charset="2"/>
+              </a:rPr>
+              <a:t>Interruption leakage?  secure interruption</a:t>
+            </a:r>
+          </a:p>
+          <a:p>
+            <a:pPr>
+              <a:lnSpc>
+                <a:spcPct val="150000"/>
+              </a:lnSpc>
+            </a:pPr>
+            <a:r>
+              <a:rPr lang="en-US" altLang="zh-CN" dirty="0">
+                <a:sym typeface="Wingdings" panose="05000000000000000000" pitchFamily="2" charset="2"/>
+              </a:rPr>
+              <a:t>Shared memory misuse?  mutual authentication</a:t>
+            </a:r>
+          </a:p>
+          <a:p>
+            <a:pPr>
+              <a:lnSpc>
+                <a:spcPct val="150000"/>
+              </a:lnSpc>
+            </a:pPr>
+            <a:r>
+              <a:rPr lang="en-US" altLang="zh-CN" dirty="0" err="1">
+                <a:sym typeface="Wingdings" panose="05000000000000000000" pitchFamily="2" charset="2"/>
+              </a:rPr>
+              <a:t>TagRoot’s</a:t>
+            </a:r>
+            <a:r>
+              <a:rPr lang="en-US" altLang="zh-CN" dirty="0">
+                <a:sym typeface="Wingdings" panose="05000000000000000000" pitchFamily="2" charset="2"/>
+              </a:rPr>
+              <a:t> integrity?  isolation via TS-tag</a:t>
+            </a:r>
+            <a:endParaRPr lang="zh-CN" altLang="en-US" dirty="0"/>
+          </a:p>
+        </p:txBody>
+      </p:sp>
+    </p:spTree>
+    <p:extLst>
+      <p:ext uri="{BB962C8B-B14F-4D97-AF65-F5344CB8AC3E}">
+        <p14:creationId xmlns:p14="http://schemas.microsoft.com/office/powerpoint/2010/main" val="3960075342"/>
+      </p:ext>
+    </p:extLst>
+  </p:cSld>
+  <p:clrMapOvr>
+    <a:masterClrMapping/>
+  </p:clrMapOvr>
+</p:sld>
+</file>
+
 <file path=ppt/slides/slide15.xml><?xml version="1.0" encoding="utf-8"?>
 <p:sld xmlns:a="http://schemas.openxmlformats.org/drawingml/2006/main" xmlns:r="http://schemas.openxmlformats.org/officeDocument/2006/relationships" xmlns:p="http://schemas.openxmlformats.org/presentationml/2006/main">
   <p:cSld>
@@ -6222,15 +6199,39 @@
           <a:p>
             <a:r>
               <a:rPr lang="en-US" altLang="zh-CN" dirty="0"/>
-              <a:t>Security Analysis</a:t>
+              <a:t>Evaluation</a:t>
             </a:r>
             <a:endParaRPr lang="zh-CN" altLang="en-US" dirty="0"/>
           </a:p>
         </p:txBody>
       </p:sp>
-      <p:sp>
-        <p:nvSpPr>
-          <p:cNvPr id="3" name="内容占位符 2"/>
+      <p:pic>
+        <p:nvPicPr>
+          <p:cNvPr id="4" name="图片 3"/>
+          <p:cNvPicPr>
+            <a:picLocks noChangeAspect="1"/>
+          </p:cNvPicPr>
+          <p:nvPr/>
+        </p:nvPicPr>
+        <p:blipFill>
+          <a:blip r:embed="rId2"/>
+          <a:stretch>
+            <a:fillRect/>
+          </a:stretch>
+        </p:blipFill>
+        <p:spPr>
+          <a:xfrm>
+            <a:off x="5717432" y="1690688"/>
+            <a:ext cx="5636368" cy="4710112"/>
+          </a:xfrm>
+          <a:prstGeom prst="rect">
+            <a:avLst/>
+          </a:prstGeom>
+        </p:spPr>
+      </p:pic>
+      <p:sp>
+        <p:nvSpPr>
+          <p:cNvPr id="5" name="内容占位符 2"/>
           <p:cNvSpPr>
             <a:spLocks noGrp="1"/>
           </p:cNvSpPr>
@@ -6238,7 +6239,12 @@
             <p:ph idx="1"/>
           </p:nvPr>
         </p:nvSpPr>
-        <p:spPr/>
+        <p:spPr>
+          <a:xfrm>
+            <a:off x="838200" y="1825625"/>
+            <a:ext cx="10515600" cy="4351338"/>
+          </a:xfrm>
+        </p:spPr>
         <p:txBody>
           <a:bodyPr/>
           <a:lstStyle/>
@@ -6250,13 +6256,7 @@
             </a:pPr>
             <a:r>
               <a:rPr lang="en-US" altLang="zh-CN" dirty="0"/>
-              <a:t>OS manipulation during loading? </a:t>
-            </a:r>
-            <a:r>
-              <a:rPr lang="en-US" altLang="zh-CN" dirty="0">
-                <a:sym typeface="Wingdings" panose="05000000000000000000" pitchFamily="2" charset="2"/>
-              </a:rPr>
-              <a:t> load-time attestation(EID)</a:t>
+              <a:t>Performance</a:t>
             </a:r>
           </a:p>
           <a:p>
@@ -6266,42 +6266,8 @@
               </a:lnSpc>
             </a:pPr>
             <a:r>
-              <a:rPr lang="en-US" altLang="zh-CN" dirty="0">
-                <a:sym typeface="Wingdings" panose="05000000000000000000" pitchFamily="2" charset="2"/>
-              </a:rPr>
-              <a:t>Interruption leakage?  secure interruption</a:t>
-            </a:r>
-          </a:p>
-          <a:p>
-            <a:pPr>
-              <a:lnSpc>
-                <a:spcPct val="150000"/>
-              </a:lnSpc>
-            </a:pPr>
-            <a:r>
-              <a:rPr lang="en-US" altLang="zh-CN" dirty="0">
-                <a:sym typeface="Wingdings" panose="05000000000000000000" pitchFamily="2" charset="2"/>
-              </a:rPr>
-              <a:t>Shared memory misuse?  mutual authentication</a:t>
-            </a:r>
-          </a:p>
-          <a:p>
-            <a:pPr>
-              <a:lnSpc>
-                <a:spcPct val="150000"/>
-              </a:lnSpc>
-            </a:pPr>
-            <a:r>
-              <a:rPr lang="en-US" altLang="zh-CN" dirty="0" err="1">
-                <a:sym typeface="Wingdings" panose="05000000000000000000" pitchFamily="2" charset="2"/>
-              </a:rPr>
-              <a:t>TagRoot’s</a:t>
-            </a:r>
-            <a:r>
-              <a:rPr lang="en-US" altLang="zh-CN" dirty="0">
-                <a:sym typeface="Wingdings" panose="05000000000000000000" pitchFamily="2" charset="2"/>
-              </a:rPr>
-              <a:t> integrity?  isolation via TS-tag</a:t>
+              <a:rPr lang="en-US" altLang="zh-CN" dirty="0"/>
+              <a:t>TagRoot code size</a:t>
             </a:r>
             <a:endParaRPr lang="zh-CN" altLang="en-US" dirty="0"/>
           </a:p>
@@ -6310,7 +6276,7 @@
     </p:spTree>
     <p:extLst>
       <p:ext uri="{BB962C8B-B14F-4D97-AF65-F5344CB8AC3E}">
-        <p14:creationId xmlns:p14="http://schemas.microsoft.com/office/powerpoint/2010/main" val="3960075342"/>
+        <p14:creationId xmlns:p14="http://schemas.microsoft.com/office/powerpoint/2010/main" val="509781137"/>
       </p:ext>
     </p:extLst>
   </p:cSld>
@@ -6339,7 +6305,13 @@
       </p:grpSpPr>
       <p:sp>
         <p:nvSpPr>
-          <p:cNvPr id="2" name="标题 1"/>
+          <p:cNvPr id="2" name="标题 1">
+            <a:extLst>
+              <a:ext uri="{FF2B5EF4-FFF2-40B4-BE49-F238E27FC236}">
+                <a16:creationId xmlns:a16="http://schemas.microsoft.com/office/drawing/2014/main" id="{71BE26F0-CA3D-485F-8172-65BE32FDA637}"/>
+              </a:ext>
+            </a:extLst>
+          </p:cNvPr>
           <p:cNvSpPr>
             <a:spLocks noGrp="1"/>
           </p:cNvSpPr>
@@ -6354,39 +6326,21 @@
           <a:p>
             <a:r>
               <a:rPr lang="en-US" altLang="zh-CN" dirty="0"/>
-              <a:t>Evaluation</a:t>
+              <a:t>Dynamic Memory Management</a:t>
             </a:r>
             <a:endParaRPr lang="zh-CN" altLang="en-US" dirty="0"/>
           </a:p>
         </p:txBody>
       </p:sp>
-      <p:pic>
-        <p:nvPicPr>
-          <p:cNvPr id="4" name="图片 3"/>
-          <p:cNvPicPr>
-            <a:picLocks noChangeAspect="1"/>
-          </p:cNvPicPr>
-          <p:nvPr/>
-        </p:nvPicPr>
-        <p:blipFill>
-          <a:blip r:embed="rId2"/>
-          <a:stretch>
-            <a:fillRect/>
-          </a:stretch>
-        </p:blipFill>
-        <p:spPr>
-          <a:xfrm>
-            <a:off x="5717432" y="1690688"/>
-            <a:ext cx="5636368" cy="4710112"/>
-          </a:xfrm>
-          <a:prstGeom prst="rect">
-            <a:avLst/>
-          </a:prstGeom>
-        </p:spPr>
-      </p:pic>
-      <p:sp>
-        <p:nvSpPr>
-          <p:cNvPr id="5" name="内容占位符 2"/>
+      <p:sp>
+        <p:nvSpPr>
+          <p:cNvPr id="3" name="内容占位符 2">
+            <a:extLst>
+              <a:ext uri="{FF2B5EF4-FFF2-40B4-BE49-F238E27FC236}">
+                <a16:creationId xmlns:a16="http://schemas.microsoft.com/office/drawing/2014/main" id="{BA35D7B9-250E-4DCB-91D4-837A7AB1D75B}"/>
+              </a:ext>
+            </a:extLst>
+          </p:cNvPr>
           <p:cNvSpPr>
             <a:spLocks noGrp="1"/>
           </p:cNvSpPr>
@@ -6394,36 +6348,57 @@
             <p:ph idx="1"/>
           </p:nvPr>
         </p:nvSpPr>
-        <p:spPr>
-          <a:xfrm>
-            <a:off x="838200" y="1825625"/>
-            <a:ext cx="10515600" cy="4351338"/>
-          </a:xfrm>
-        </p:spPr>
+        <p:spPr/>
         <p:txBody>
           <a:bodyPr/>
           <a:lstStyle/>
           <a:p>
-            <a:pPr>
-              <a:lnSpc>
-                <a:spcPct val="150000"/>
-              </a:lnSpc>
-            </a:pPr>
-            <a:r>
-              <a:rPr lang="en-US" altLang="zh-CN" dirty="0"/>
-              <a:t>Performance</a:t>
-            </a:r>
-          </a:p>
-          <a:p>
-            <a:pPr>
-              <a:lnSpc>
-                <a:spcPct val="150000"/>
-              </a:lnSpc>
-            </a:pPr>
-            <a:r>
-              <a:rPr lang="en-US" altLang="zh-CN" dirty="0"/>
-              <a:t>TagRoot code size</a:t>
-            </a:r>
+            <a:r>
+              <a:rPr lang="en-US" altLang="zh-CN" dirty="0"/>
+              <a:t>Memory Interleaving</a:t>
+            </a:r>
+          </a:p>
+          <a:p>
+            <a:pPr lvl="1"/>
+            <a:r>
+              <a:rPr lang="en-US" altLang="zh-CN" dirty="0"/>
+              <a:t>Minimize memory fragmentation</a:t>
+            </a:r>
+          </a:p>
+          <a:p>
+            <a:pPr lvl="1"/>
+            <a:r>
+              <a:rPr lang="en-US" altLang="zh-CN" dirty="0"/>
+              <a:t>Keep data locality across security domain</a:t>
+            </a:r>
+          </a:p>
+          <a:p>
+            <a:pPr lvl="1"/>
+            <a:r>
+              <a:rPr lang="en-US" altLang="zh-CN" dirty="0"/>
+              <a:t>Reduce management overhead</a:t>
+            </a:r>
+          </a:p>
+          <a:p>
+            <a:r>
+              <a:rPr lang="en-US" altLang="zh-CN" dirty="0"/>
+              <a:t>Heap Interleaving</a:t>
+            </a:r>
+          </a:p>
+          <a:p>
+            <a:r>
+              <a:rPr lang="en-US" altLang="zh-CN" dirty="0"/>
+              <a:t>Stack Interleaving</a:t>
+            </a:r>
+          </a:p>
+          <a:p>
+            <a:endParaRPr lang="en-US" altLang="zh-CN" dirty="0"/>
+          </a:p>
+          <a:p>
+            <a:pPr lvl="1"/>
+            <a:endParaRPr lang="en-US" altLang="zh-CN" dirty="0"/>
+          </a:p>
+          <a:p>
             <a:endParaRPr lang="zh-CN" altLang="en-US" dirty="0"/>
           </a:p>
         </p:txBody>
@@ -6431,7 +6406,7 @@
     </p:spTree>
     <p:extLst>
       <p:ext uri="{BB962C8B-B14F-4D97-AF65-F5344CB8AC3E}">
-        <p14:creationId xmlns:p14="http://schemas.microsoft.com/office/powerpoint/2010/main" val="509781137"/>
+        <p14:creationId xmlns:p14="http://schemas.microsoft.com/office/powerpoint/2010/main" val="2690020930"/>
       </p:ext>
     </p:extLst>
   </p:cSld>
@@ -6463,7 +6438,7 @@
           <p:cNvPr id="2" name="标题 1">
             <a:extLst>
               <a:ext uri="{FF2B5EF4-FFF2-40B4-BE49-F238E27FC236}">
-                <a16:creationId xmlns:a16="http://schemas.microsoft.com/office/drawing/2014/main" id="{71BE26F0-CA3D-485F-8172-65BE32FDA637}"/>
+                <a16:creationId xmlns:a16="http://schemas.microsoft.com/office/drawing/2014/main" id="{C2700E13-442E-4C3B-95E1-FD0416FBCD3C}"/>
               </a:ext>
             </a:extLst>
           </p:cNvPr>
@@ -6481,7 +6456,7 @@
           <a:p>
             <a:r>
               <a:rPr lang="en-US" altLang="zh-CN" dirty="0"/>
-              <a:t>Dynamic Memory Management</a:t>
+              <a:t>Heap Interleaving</a:t>
             </a:r>
             <a:endParaRPr lang="zh-CN" altLang="en-US" dirty="0"/>
           </a:p>
@@ -6492,7 +6467,7 @@
           <p:cNvPr id="3" name="内容占位符 2">
             <a:extLst>
               <a:ext uri="{FF2B5EF4-FFF2-40B4-BE49-F238E27FC236}">
-                <a16:creationId xmlns:a16="http://schemas.microsoft.com/office/drawing/2014/main" id="{BA35D7B9-250E-4DCB-91D4-837A7AB1D75B}"/>
+                <a16:creationId xmlns:a16="http://schemas.microsoft.com/office/drawing/2014/main" id="{9E2F768D-8CAE-4D1F-984D-A1C4F21843D1}"/>
               </a:ext>
             </a:extLst>
           </p:cNvPr>
@@ -6509,59 +6484,67 @@
           <a:lstStyle/>
           <a:p>
             <a:r>
-              <a:rPr lang="en-US" altLang="zh-CN" dirty="0"/>
-              <a:t>Memory Interleaving</a:t>
+              <a:rPr lang="en-US" altLang="zh-CN" dirty="0" err="1"/>
+              <a:t>Alloc</a:t>
+            </a:r>
+            <a:r>
+              <a:rPr lang="en-US" altLang="zh-CN" dirty="0"/>
+              <a:t>:</a:t>
             </a:r>
           </a:p>
           <a:p>
             <a:pPr lvl="1"/>
             <a:r>
               <a:rPr lang="en-US" altLang="zh-CN" dirty="0"/>
-              <a:t>Minimize memory fragmentation</a:t>
+              <a:t>Trusted code ask untrusted code to allocate a chunk of memory on its heap (N-tag)</a:t>
             </a:r>
           </a:p>
           <a:p>
             <a:pPr lvl="1"/>
             <a:r>
               <a:rPr lang="en-US" altLang="zh-CN" dirty="0"/>
-              <a:t>Keep data locality across security domain</a:t>
+              <a:t>Trusted code claims the allocated memory chunk (N-&gt;TU/TS)</a:t>
+            </a:r>
+          </a:p>
+          <a:p>
+            <a:r>
+              <a:rPr lang="en-US" altLang="zh-CN" dirty="0"/>
+              <a:t>Free:</a:t>
             </a:r>
           </a:p>
           <a:p>
             <a:pPr lvl="1"/>
             <a:r>
               <a:rPr lang="en-US" altLang="zh-CN" dirty="0"/>
-              <a:t>Reduce management overhead</a:t>
-            </a:r>
-          </a:p>
-          <a:p>
-            <a:r>
-              <a:rPr lang="en-US" altLang="zh-CN" dirty="0"/>
-              <a:t>Heap Interleaving</a:t>
-            </a:r>
-          </a:p>
-          <a:p>
-            <a:r>
-              <a:rPr lang="en-US" altLang="zh-CN" dirty="0"/>
-              <a:t>Stack Interleaving</a:t>
-            </a:r>
-          </a:p>
-          <a:p>
-            <a:endParaRPr lang="en-US" altLang="zh-CN" dirty="0"/>
-          </a:p>
-          <a:p>
-            <a:pPr lvl="1"/>
-            <a:endParaRPr lang="en-US" altLang="zh-CN" dirty="0"/>
-          </a:p>
-          <a:p>
-            <a:endParaRPr lang="zh-CN" altLang="en-US" dirty="0"/>
+              <a:t>Trusted code simply clears it and reverts its tags and notifies the untrusted code to do the heap cleanup</a:t>
+            </a:r>
+          </a:p>
+          <a:p>
+            <a:r>
+              <a:rPr lang="en-US" altLang="zh-CN" dirty="0"/>
+              <a:t>User: keep a pointer to it inside protected enclave memory</a:t>
+            </a:r>
+          </a:p>
+          <a:p>
+            <a:r>
+              <a:rPr lang="en-US" altLang="zh-CN" dirty="0"/>
+              <a:t>Supervisor: when creating enclave, </a:t>
+            </a:r>
+            <a:r>
+              <a:rPr lang="en-US" altLang="zh-CN" dirty="0" err="1"/>
+              <a:t>os</a:t>
+            </a:r>
+            <a:r>
+              <a:rPr lang="en-US" altLang="zh-CN" dirty="0"/>
+              <a:t> allocates a trusted ECB</a:t>
+            </a:r>
           </a:p>
         </p:txBody>
       </p:sp>
     </p:spTree>
     <p:extLst>
       <p:ext uri="{BB962C8B-B14F-4D97-AF65-F5344CB8AC3E}">
-        <p14:creationId xmlns:p14="http://schemas.microsoft.com/office/powerpoint/2010/main" val="2690020930"/>
+        <p14:creationId xmlns:p14="http://schemas.microsoft.com/office/powerpoint/2010/main" val="2416769041"/>
       </p:ext>
     </p:extLst>
   </p:cSld>
@@ -6593,144 +6576,6 @@
           <p:cNvPr id="2" name="标题 1">
             <a:extLst>
               <a:ext uri="{FF2B5EF4-FFF2-40B4-BE49-F238E27FC236}">
-                <a16:creationId xmlns:a16="http://schemas.microsoft.com/office/drawing/2014/main" id="{C2700E13-442E-4C3B-95E1-FD0416FBCD3C}"/>
-              </a:ext>
-            </a:extLst>
-          </p:cNvPr>
-          <p:cNvSpPr>
-            <a:spLocks noGrp="1"/>
-          </p:cNvSpPr>
-          <p:nvPr>
-            <p:ph type="title"/>
-          </p:nvPr>
-        </p:nvSpPr>
-        <p:spPr/>
-        <p:txBody>
-          <a:bodyPr/>
-          <a:lstStyle/>
-          <a:p>
-            <a:r>
-              <a:rPr lang="en-US" altLang="zh-CN" dirty="0"/>
-              <a:t>Heap Interleaving</a:t>
-            </a:r>
-            <a:endParaRPr lang="zh-CN" altLang="en-US" dirty="0"/>
-          </a:p>
-        </p:txBody>
-      </p:sp>
-      <p:sp>
-        <p:nvSpPr>
-          <p:cNvPr id="3" name="内容占位符 2">
-            <a:extLst>
-              <a:ext uri="{FF2B5EF4-FFF2-40B4-BE49-F238E27FC236}">
-                <a16:creationId xmlns:a16="http://schemas.microsoft.com/office/drawing/2014/main" id="{9E2F768D-8CAE-4D1F-984D-A1C4F21843D1}"/>
-              </a:ext>
-            </a:extLst>
-          </p:cNvPr>
-          <p:cNvSpPr>
-            <a:spLocks noGrp="1"/>
-          </p:cNvSpPr>
-          <p:nvPr>
-            <p:ph idx="1"/>
-          </p:nvPr>
-        </p:nvSpPr>
-        <p:spPr/>
-        <p:txBody>
-          <a:bodyPr/>
-          <a:lstStyle/>
-          <a:p>
-            <a:r>
-              <a:rPr lang="en-US" altLang="zh-CN" dirty="0" err="1"/>
-              <a:t>Alloc</a:t>
-            </a:r>
-            <a:r>
-              <a:rPr lang="en-US" altLang="zh-CN" dirty="0"/>
-              <a:t>:</a:t>
-            </a:r>
-          </a:p>
-          <a:p>
-            <a:pPr lvl="1"/>
-            <a:r>
-              <a:rPr lang="en-US" altLang="zh-CN" dirty="0"/>
-              <a:t>Trusted code ask untrusted code to allocate a chunk of memory on its heap (N-tag)</a:t>
-            </a:r>
-          </a:p>
-          <a:p>
-            <a:pPr lvl="1"/>
-            <a:r>
-              <a:rPr lang="en-US" altLang="zh-CN" dirty="0"/>
-              <a:t>Trusted code claims the allocated memory chunk (N-&gt;TU/TS)</a:t>
-            </a:r>
-          </a:p>
-          <a:p>
-            <a:r>
-              <a:rPr lang="en-US" altLang="zh-CN" dirty="0"/>
-              <a:t>Free:</a:t>
-            </a:r>
-          </a:p>
-          <a:p>
-            <a:pPr lvl="1"/>
-            <a:r>
-              <a:rPr lang="en-US" altLang="zh-CN" dirty="0"/>
-              <a:t>Trusted code simply clears it and reverts its tags and notifies the untrusted code to do the heap cleanup</a:t>
-            </a:r>
-          </a:p>
-          <a:p>
-            <a:r>
-              <a:rPr lang="en-US" altLang="zh-CN" dirty="0"/>
-              <a:t>User: keep a pointer to it inside protected enclave memory</a:t>
-            </a:r>
-          </a:p>
-          <a:p>
-            <a:r>
-              <a:rPr lang="en-US" altLang="zh-CN" dirty="0"/>
-              <a:t>Supervisor: when creating enclave, </a:t>
-            </a:r>
-            <a:r>
-              <a:rPr lang="en-US" altLang="zh-CN" dirty="0" err="1"/>
-              <a:t>os</a:t>
-            </a:r>
-            <a:r>
-              <a:rPr lang="en-US" altLang="zh-CN" dirty="0"/>
-              <a:t> allocates a trusted ECB</a:t>
-            </a:r>
-          </a:p>
-        </p:txBody>
-      </p:sp>
-    </p:spTree>
-    <p:extLst>
-      <p:ext uri="{BB962C8B-B14F-4D97-AF65-F5344CB8AC3E}">
-        <p14:creationId xmlns:p14="http://schemas.microsoft.com/office/powerpoint/2010/main" val="2416769041"/>
-      </p:ext>
-    </p:extLst>
-  </p:cSld>
-  <p:clrMapOvr>
-    <a:masterClrMapping/>
-  </p:clrMapOvr>
-</p:sld>
-</file>
-
-<file path=ppt/slides/slide19.xml><?xml version="1.0" encoding="utf-8"?>
-<p:sld xmlns:a="http://schemas.openxmlformats.org/drawingml/2006/main" xmlns:r="http://schemas.openxmlformats.org/officeDocument/2006/relationships" xmlns:p="http://schemas.openxmlformats.org/presentationml/2006/main">
-  <p:cSld>
-    <p:spTree>
-      <p:nvGrpSpPr>
-        <p:cNvPr id="1" name=""/>
-        <p:cNvGrpSpPr/>
-        <p:nvPr/>
-      </p:nvGrpSpPr>
-      <p:grpSpPr>
-        <a:xfrm>
-          <a:off x="0" y="0"/>
-          <a:ext cx="0" cy="0"/>
-          <a:chOff x="0" y="0"/>
-          <a:chExt cx="0" cy="0"/>
-        </a:xfrm>
-      </p:grpSpPr>
-      <p:sp>
-        <p:nvSpPr>
-          <p:cNvPr id="2" name="标题 1">
-            <a:extLst>
-              <a:ext uri="{FF2B5EF4-FFF2-40B4-BE49-F238E27FC236}">
                 <a16:creationId xmlns:a16="http://schemas.microsoft.com/office/drawing/2014/main" id="{C69D88C9-0B27-447C-8765-944E1E7E9E71}"/>
               </a:ext>
             </a:extLst>
@@ -6831,8 +6676,8 @@
         </p:blipFill>
         <p:spPr>
           <a:xfrm>
-            <a:off x="838199" y="3429000"/>
-            <a:ext cx="8450179" cy="2748025"/>
+            <a:off x="2215944" y="3429000"/>
+            <a:ext cx="7760111" cy="2523613"/>
           </a:xfrm>
           <a:prstGeom prst="rect">
             <a:avLst/>
@@ -6852,140 +6697,7 @@
 </p:sld>
 </file>
 
-<file path=ppt/slides/slide2.xml><?xml version="1.0" encoding="utf-8"?>
-<p:sld xmlns:a="http://schemas.openxmlformats.org/drawingml/2006/main" xmlns:r="http://schemas.openxmlformats.org/officeDocument/2006/relationships" xmlns:p="http://schemas.openxmlformats.org/presentationml/2006/main">
-  <p:cSld>
-    <p:spTree>
-      <p:nvGrpSpPr>
-        <p:cNvPr id="1" name=""/>
-        <p:cNvGrpSpPr/>
-        <p:nvPr/>
-      </p:nvGrpSpPr>
-      <p:grpSpPr>
-        <a:xfrm>
-          <a:off x="0" y="0"/>
-          <a:ext cx="0" cy="0"/>
-          <a:chOff x="0" y="0"/>
-          <a:chExt cx="0" cy="0"/>
-        </a:xfrm>
-      </p:grpSpPr>
-      <p:sp>
-        <p:nvSpPr>
-          <p:cNvPr id="2" name="标题 1">
-            <a:extLst>
-              <a:ext uri="{FF2B5EF4-FFF2-40B4-BE49-F238E27FC236}">
-                <a16:creationId xmlns:a16="http://schemas.microsoft.com/office/drawing/2014/main" id="{8A5AEDBD-79FD-45D0-AC2D-A7D67795A937}"/>
-              </a:ext>
-            </a:extLst>
-          </p:cNvPr>
-          <p:cNvSpPr>
-            <a:spLocks noGrp="1"/>
-          </p:cNvSpPr>
-          <p:nvPr>
-            <p:ph type="title"/>
-          </p:nvPr>
-        </p:nvSpPr>
-        <p:spPr/>
-        <p:txBody>
-          <a:bodyPr/>
-          <a:lstStyle/>
-          <a:p>
-            <a:r>
-              <a:rPr lang="en-US" altLang="zh-CN" dirty="0">
-                <a:ea typeface="等线 Light"/>
-              </a:rPr>
-              <a:t>Tagged Memory</a:t>
-            </a:r>
-            <a:endParaRPr lang="zh-CN" altLang="en-US" dirty="0"/>
-          </a:p>
-        </p:txBody>
-      </p:sp>
-      <p:sp>
-        <p:nvSpPr>
-          <p:cNvPr id="3" name="内容占位符 2">
-            <a:extLst>
-              <a:ext uri="{FF2B5EF4-FFF2-40B4-BE49-F238E27FC236}">
-                <a16:creationId xmlns:a16="http://schemas.microsoft.com/office/drawing/2014/main" id="{2DC466CE-6880-4B1A-A1E4-A2E467DF97A7}"/>
-              </a:ext>
-            </a:extLst>
-          </p:cNvPr>
-          <p:cNvSpPr>
-            <a:spLocks noGrp="1"/>
-          </p:cNvSpPr>
-          <p:nvPr>
-            <p:ph idx="1"/>
-          </p:nvPr>
-        </p:nvSpPr>
-        <p:spPr/>
-        <p:txBody>
-          <a:bodyPr/>
-          <a:lstStyle/>
-          <a:p>
-            <a:r>
-              <a:rPr lang="en-US" altLang="zh-CN" dirty="0"/>
-              <a:t>HDFI</a:t>
-            </a:r>
-            <a:r>
-              <a:rPr lang="zh-CN" altLang="en-US" dirty="0"/>
-              <a:t>：</a:t>
-            </a:r>
-            <a:r>
-              <a:rPr lang="en-US" altLang="zh-CN" dirty="0">
-                <a:solidFill>
-                  <a:srgbClr val="FF0000"/>
-                </a:solidFill>
-              </a:rPr>
-              <a:t>Virtually</a:t>
-            </a:r>
-            <a:r>
-              <a:rPr lang="en-US" altLang="zh-CN" dirty="0"/>
-              <a:t> extend each memory unit with an additional tag,</a:t>
-            </a:r>
-          </a:p>
-          <a:p>
-            <a:pPr marL="914400" lvl="2" indent="0">
-              <a:buNone/>
-            </a:pPr>
-            <a:r>
-              <a:rPr lang="en-US" altLang="zh-CN" dirty="0"/>
-              <a:t>      </a:t>
-            </a:r>
-            <a:r>
-              <a:rPr lang="en-US" altLang="zh-CN" sz="2800" dirty="0"/>
-              <a:t>defined by </a:t>
-            </a:r>
-            <a:r>
-              <a:rPr lang="en-US" altLang="zh-CN" sz="2800" dirty="0">
-                <a:solidFill>
-                  <a:srgbClr val="FF0000"/>
-                </a:solidFill>
-              </a:rPr>
-              <a:t>data flow </a:t>
-            </a:r>
-            <a:r>
-              <a:rPr lang="en-US" altLang="zh-CN" sz="2800" dirty="0"/>
-              <a:t>(2016)</a:t>
-            </a:r>
-          </a:p>
-          <a:p>
-            <a:endParaRPr lang="zh-CN" altLang="en-US" dirty="0"/>
-          </a:p>
-        </p:txBody>
-      </p:sp>
-    </p:spTree>
-    <p:extLst>
-      <p:ext uri="{BB962C8B-B14F-4D97-AF65-F5344CB8AC3E}">
-        <p14:creationId xmlns:p14="http://schemas.microsoft.com/office/powerpoint/2010/main" val="1335850902"/>
-      </p:ext>
-    </p:extLst>
-  </p:cSld>
-  <p:clrMapOvr>
-    <a:masterClrMapping/>
-  </p:clrMapOvr>
-</p:sld>
-</file>
-
-<file path=ppt/slides/slide20.xml><?xml version="1.0" encoding="utf-8"?>
+<file path=ppt/slides/slide19.xml><?xml version="1.0" encoding="utf-8"?>
 <p:sld xmlns:a="http://schemas.openxmlformats.org/drawingml/2006/main" xmlns:r="http://schemas.openxmlformats.org/officeDocument/2006/relationships" xmlns:p="http://schemas.openxmlformats.org/presentationml/2006/main">
   <p:cSld>
     <p:spTree>
@@ -7177,6 +6889,409 @@
 </p:sld>
 </file>
 
+<file path=ppt/slides/slide2.xml><?xml version="1.0" encoding="utf-8"?>
+<p:sld xmlns:a="http://schemas.openxmlformats.org/drawingml/2006/main" xmlns:r="http://schemas.openxmlformats.org/officeDocument/2006/relationships" xmlns:p="http://schemas.openxmlformats.org/presentationml/2006/main">
+  <p:cSld>
+    <p:spTree>
+      <p:nvGrpSpPr>
+        <p:cNvPr id="1" name=""/>
+        <p:cNvGrpSpPr/>
+        <p:nvPr/>
+      </p:nvGrpSpPr>
+      <p:grpSpPr>
+        <a:xfrm>
+          <a:off x="0" y="0"/>
+          <a:ext cx="0" cy="0"/>
+          <a:chOff x="0" y="0"/>
+          <a:chExt cx="0" cy="0"/>
+        </a:xfrm>
+      </p:grpSpPr>
+      <p:sp>
+        <p:nvSpPr>
+          <p:cNvPr id="2" name="标题 1">
+            <a:extLst>
+              <a:ext uri="{FF2B5EF4-FFF2-40B4-BE49-F238E27FC236}">
+                <a16:creationId xmlns:a16="http://schemas.microsoft.com/office/drawing/2014/main" id="{CD8C2B35-7236-4B09-AB86-3EF146BBBC19}"/>
+              </a:ext>
+            </a:extLst>
+          </p:cNvPr>
+          <p:cNvSpPr>
+            <a:spLocks noGrp="1"/>
+          </p:cNvSpPr>
+          <p:nvPr>
+            <p:ph type="title"/>
+          </p:nvPr>
+        </p:nvSpPr>
+        <p:spPr/>
+        <p:txBody>
+          <a:bodyPr/>
+          <a:lstStyle/>
+          <a:p>
+            <a:r>
+              <a:rPr lang="en-US" altLang="zh-CN" dirty="0"/>
+              <a:t>Design Goals</a:t>
+            </a:r>
+            <a:endParaRPr lang="zh-CN" altLang="en-US" dirty="0"/>
+          </a:p>
+        </p:txBody>
+      </p:sp>
+      <p:sp>
+        <p:nvSpPr>
+          <p:cNvPr id="3" name="内容占位符 2">
+            <a:extLst>
+              <a:ext uri="{FF2B5EF4-FFF2-40B4-BE49-F238E27FC236}">
+                <a16:creationId xmlns:a16="http://schemas.microsoft.com/office/drawing/2014/main" id="{2B4F8F6E-0F47-423C-A04E-9ADF85EACD9E}"/>
+              </a:ext>
+            </a:extLst>
+          </p:cNvPr>
+          <p:cNvSpPr>
+            <a:spLocks noGrp="1"/>
+          </p:cNvSpPr>
+          <p:nvPr>
+            <p:ph idx="1"/>
+          </p:nvPr>
+        </p:nvSpPr>
+        <p:spPr/>
+        <p:txBody>
+          <a:bodyPr>
+            <a:normAutofit fontScale="70000" lnSpcReduction="20000"/>
+          </a:bodyPr>
+          <a:lstStyle/>
+          <a:p>
+            <a:pPr>
+              <a:lnSpc>
+                <a:spcPct val="120000"/>
+              </a:lnSpc>
+            </a:pPr>
+            <a:r>
+              <a:rPr lang="en-US" altLang="zh-CN" dirty="0"/>
+              <a:t>G1 Security</a:t>
+            </a:r>
+          </a:p>
+          <a:p>
+            <a:pPr marL="0" indent="0">
+              <a:lnSpc>
+                <a:spcPct val="120000"/>
+              </a:lnSpc>
+              <a:buNone/>
+            </a:pPr>
+            <a:r>
+              <a:rPr lang="en-US" altLang="zh-CN" dirty="0"/>
+              <a:t>	</a:t>
+            </a:r>
+            <a:r>
+              <a:rPr lang="en-US" altLang="zh-CN" sz="2500" dirty="0"/>
+              <a:t>(</a:t>
+            </a:r>
+            <a:r>
+              <a:rPr lang="en-US" altLang="zh-CN" sz="2500" dirty="0" err="1"/>
+              <a:t>i</a:t>
+            </a:r>
+            <a:r>
+              <a:rPr lang="en-US" altLang="zh-CN" sz="2500" dirty="0"/>
+              <a:t>) strong memory isolation	(ii) secure entry points</a:t>
+            </a:r>
+          </a:p>
+          <a:p>
+            <a:pPr marL="0" indent="0">
+              <a:lnSpc>
+                <a:spcPct val="120000"/>
+              </a:lnSpc>
+              <a:buNone/>
+            </a:pPr>
+            <a:r>
+              <a:rPr lang="en-US" altLang="zh-CN" sz="2500" dirty="0"/>
+              <a:t>	(iii) secure communication	(iv) attestation and sealing</a:t>
+            </a:r>
+          </a:p>
+          <a:p>
+            <a:pPr>
+              <a:lnSpc>
+                <a:spcPct val="120000"/>
+              </a:lnSpc>
+            </a:pPr>
+            <a:r>
+              <a:rPr lang="en-US" altLang="zh-CN" dirty="0"/>
+              <a:t>G2 Flexibility</a:t>
+            </a:r>
+          </a:p>
+          <a:p>
+            <a:pPr marL="457200" lvl="1" indent="0">
+              <a:lnSpc>
+                <a:spcPct val="120000"/>
+              </a:lnSpc>
+              <a:buNone/>
+            </a:pPr>
+            <a:r>
+              <a:rPr lang="en-US" altLang="zh-CN" dirty="0"/>
+              <a:t>	(</a:t>
+            </a:r>
+            <a:r>
+              <a:rPr lang="en-US" altLang="zh-CN" dirty="0" err="1"/>
+              <a:t>i</a:t>
+            </a:r>
+            <a:r>
+              <a:rPr lang="en-US" altLang="zh-CN" dirty="0"/>
+              <a:t>) fine-grained 		(ii) dynamically reconfigurable isolation boundaries</a:t>
+            </a:r>
+          </a:p>
+          <a:p>
+            <a:pPr>
+              <a:lnSpc>
+                <a:spcPct val="120000"/>
+              </a:lnSpc>
+            </a:pPr>
+            <a:r>
+              <a:rPr lang="en-US" altLang="zh-CN" dirty="0"/>
+              <a:t>G3 Compatibility</a:t>
+            </a:r>
+          </a:p>
+          <a:p>
+            <a:pPr marL="0" indent="0">
+              <a:lnSpc>
+                <a:spcPct val="120000"/>
+              </a:lnSpc>
+              <a:buNone/>
+            </a:pPr>
+            <a:r>
+              <a:rPr lang="en-US" altLang="zh-CN" dirty="0"/>
+              <a:t>	</a:t>
+            </a:r>
+            <a:r>
+              <a:rPr lang="en-US" altLang="zh-CN" sz="2400" dirty="0"/>
+              <a:t>Support existing </a:t>
+            </a:r>
+            <a:r>
+              <a:rPr lang="en-US" altLang="zh-CN" sz="2400" dirty="0" err="1"/>
+              <a:t>os</a:t>
+            </a:r>
+            <a:r>
+              <a:rPr lang="en-US" altLang="zh-CN" sz="2400" dirty="0"/>
+              <a:t> and apps without modification</a:t>
+            </a:r>
+          </a:p>
+          <a:p>
+            <a:pPr>
+              <a:lnSpc>
+                <a:spcPct val="120000"/>
+              </a:lnSpc>
+            </a:pPr>
+            <a:r>
+              <a:rPr lang="en-US" altLang="zh-CN" dirty="0"/>
+              <a:t>G4 Low Overhead</a:t>
+            </a:r>
+          </a:p>
+          <a:p>
+            <a:pPr marL="0" indent="0">
+              <a:lnSpc>
+                <a:spcPct val="120000"/>
+              </a:lnSpc>
+              <a:buNone/>
+            </a:pPr>
+            <a:r>
+              <a:rPr lang="en-US" altLang="zh-CN" dirty="0"/>
+              <a:t>	</a:t>
+            </a:r>
+            <a:r>
+              <a:rPr lang="en-US" altLang="zh-CN" sz="2400" dirty="0"/>
+              <a:t>(</a:t>
+            </a:r>
+            <a:r>
+              <a:rPr lang="en-US" altLang="zh-CN" sz="2400" dirty="0" err="1"/>
+              <a:t>i</a:t>
+            </a:r>
+            <a:r>
+              <a:rPr lang="en-US" altLang="zh-CN" sz="2400" dirty="0"/>
+              <a:t>) cost of tagged memory 	(ii) performance overhead of switching security domains</a:t>
+            </a:r>
+          </a:p>
+          <a:p>
+            <a:pPr>
+              <a:lnSpc>
+                <a:spcPct val="120000"/>
+              </a:lnSpc>
+            </a:pPr>
+            <a:r>
+              <a:rPr lang="en-US" altLang="zh-CN" dirty="0"/>
+              <a:t>G5 Real-time</a:t>
+            </a:r>
+            <a:endParaRPr lang="zh-CN" altLang="en-US" dirty="0"/>
+          </a:p>
+        </p:txBody>
+      </p:sp>
+      <p:sp>
+        <p:nvSpPr>
+          <p:cNvPr id="4" name="矩形 3">
+            <a:extLst>
+              <a:ext uri="{FF2B5EF4-FFF2-40B4-BE49-F238E27FC236}">
+                <a16:creationId xmlns:a16="http://schemas.microsoft.com/office/drawing/2014/main" id="{EC5A6D9B-E6D7-4513-AEC5-B06014512410}"/>
+              </a:ext>
+            </a:extLst>
+          </p:cNvPr>
+          <p:cNvSpPr/>
+          <p:nvPr/>
+        </p:nvSpPr>
+        <p:spPr>
+          <a:xfrm>
+            <a:off x="6041081" y="6050290"/>
+            <a:ext cx="6004016" cy="523220"/>
+          </a:xfrm>
+          <a:prstGeom prst="rect">
+            <a:avLst/>
+          </a:prstGeom>
+        </p:spPr>
+        <p:txBody>
+          <a:bodyPr wrap="none">
+            <a:spAutoFit/>
+          </a:bodyPr>
+          <a:lstStyle/>
+          <a:p>
+            <a:pPr algn="ctr"/>
+            <a:r>
+              <a:rPr lang="en-US" altLang="zh-CN" sz="2800" b="1" dirty="0">
+                <a:solidFill>
+                  <a:srgbClr val="FF0000"/>
+                </a:solidFill>
+                <a:latin typeface="NimbusRomNo9L-Regu"/>
+              </a:rPr>
+              <a:t>*</a:t>
+            </a:r>
+            <a:r>
+              <a:rPr lang="en-US" altLang="zh-CN" b="1" dirty="0">
+                <a:latin typeface="NimbusRomNo9L-Regu"/>
+              </a:rPr>
+              <a:t> TIMBER-V does not prevent software side-channel attacks.</a:t>
+            </a:r>
+            <a:endParaRPr lang="zh-CN" altLang="en-US" b="1" dirty="0"/>
+          </a:p>
+        </p:txBody>
+      </p:sp>
+    </p:spTree>
+    <p:extLst>
+      <p:ext uri="{BB962C8B-B14F-4D97-AF65-F5344CB8AC3E}">
+        <p14:creationId xmlns:p14="http://schemas.microsoft.com/office/powerpoint/2010/main" val="2262985119"/>
+      </p:ext>
+    </p:extLst>
+  </p:cSld>
+  <p:clrMapOvr>
+    <a:masterClrMapping/>
+  </p:clrMapOvr>
+</p:sld>
+</file>
+
+<file path=ppt/slides/slide20.xml><?xml version="1.0" encoding="utf-8"?>
+<p:sld xmlns:a="http://schemas.openxmlformats.org/drawingml/2006/main" xmlns:r="http://schemas.openxmlformats.org/officeDocument/2006/relationships" xmlns:p="http://schemas.openxmlformats.org/presentationml/2006/main">
+  <p:cSld>
+    <p:spTree>
+      <p:nvGrpSpPr>
+        <p:cNvPr id="1" name=""/>
+        <p:cNvGrpSpPr/>
+        <p:nvPr/>
+      </p:nvGrpSpPr>
+      <p:grpSpPr>
+        <a:xfrm>
+          <a:off x="0" y="0"/>
+          <a:ext cx="0" cy="0"/>
+          <a:chOff x="0" y="0"/>
+          <a:chExt cx="0" cy="0"/>
+        </a:xfrm>
+      </p:grpSpPr>
+      <p:sp>
+        <p:nvSpPr>
+          <p:cNvPr id="2" name="标题 1">
+            <a:extLst>
+              <a:ext uri="{FF2B5EF4-FFF2-40B4-BE49-F238E27FC236}">
+                <a16:creationId xmlns:a16="http://schemas.microsoft.com/office/drawing/2014/main" id="{A8AC40F3-CFB7-4BED-8671-71E99152436C}"/>
+              </a:ext>
+            </a:extLst>
+          </p:cNvPr>
+          <p:cNvSpPr>
+            <a:spLocks noGrp="1"/>
+          </p:cNvSpPr>
+          <p:nvPr>
+            <p:ph type="title"/>
+          </p:nvPr>
+        </p:nvSpPr>
+        <p:spPr/>
+        <p:txBody>
+          <a:bodyPr/>
+          <a:lstStyle/>
+          <a:p>
+            <a:r>
+              <a:rPr lang="en-US" altLang="zh-CN" dirty="0"/>
+              <a:t>Dynamic Memory Management</a:t>
+            </a:r>
+            <a:endParaRPr lang="zh-CN" altLang="en-US" dirty="0"/>
+          </a:p>
+        </p:txBody>
+      </p:sp>
+      <p:sp>
+        <p:nvSpPr>
+          <p:cNvPr id="3" name="内容占位符 2">
+            <a:extLst>
+              <a:ext uri="{FF2B5EF4-FFF2-40B4-BE49-F238E27FC236}">
+                <a16:creationId xmlns:a16="http://schemas.microsoft.com/office/drawing/2014/main" id="{1C1B693E-5775-4613-9A12-36A94D75DD10}"/>
+              </a:ext>
+            </a:extLst>
+          </p:cNvPr>
+          <p:cNvSpPr>
+            <a:spLocks noGrp="1"/>
+          </p:cNvSpPr>
+          <p:nvPr>
+            <p:ph idx="1"/>
+          </p:nvPr>
+        </p:nvSpPr>
+        <p:spPr/>
+        <p:txBody>
+          <a:bodyPr/>
+          <a:lstStyle/>
+          <a:p>
+            <a:r>
+              <a:rPr lang="en-US" altLang="zh-CN" dirty="0"/>
+              <a:t>Granularity: Word</a:t>
+            </a:r>
+          </a:p>
+          <a:p>
+            <a:r>
+              <a:rPr lang="en-US" altLang="zh-CN" dirty="0"/>
+              <a:t>User &lt;-&gt; Memory Claim/Release by Check Store Instruction</a:t>
+            </a:r>
+          </a:p>
+          <a:p>
+            <a:r>
+              <a:rPr lang="en-US" altLang="zh-CN" dirty="0"/>
+              <a:t>Security Analysis:</a:t>
+            </a:r>
+          </a:p>
+          <a:p>
+            <a:pPr lvl="1"/>
+            <a:r>
+              <a:rPr lang="en-US" altLang="zh-CN" dirty="0"/>
+              <a:t>Validity of the memory when claiming it</a:t>
+            </a:r>
+          </a:p>
+          <a:p>
+            <a:pPr lvl="1"/>
+            <a:r>
+              <a:rPr lang="en-US" altLang="zh-CN" dirty="0"/>
+              <a:t>Validity during usage.</a:t>
+            </a:r>
+          </a:p>
+        </p:txBody>
+      </p:sp>
+    </p:spTree>
+    <p:extLst>
+      <p:ext uri="{BB962C8B-B14F-4D97-AF65-F5344CB8AC3E}">
+        <p14:creationId xmlns:p14="http://schemas.microsoft.com/office/powerpoint/2010/main" val="2534228466"/>
+      </p:ext>
+    </p:extLst>
+  </p:cSld>
+  <p:clrMapOvr>
+    <a:masterClrMapping/>
+  </p:clrMapOvr>
+</p:sld>
+</file>
+
 <file path=ppt/slides/slide21.xml><?xml version="1.0" encoding="utf-8"?>
 <p:sld xmlns:a="http://schemas.openxmlformats.org/drawingml/2006/main" xmlns:r="http://schemas.openxmlformats.org/officeDocument/2006/relationships" xmlns:p="http://schemas.openxmlformats.org/presentationml/2006/main">
   <p:cSld>
@@ -7194,12 +7309,42 @@
           <a:chExt cx="0" cy="0"/>
         </a:xfrm>
       </p:grpSpPr>
+      <p:pic>
+        <p:nvPicPr>
+          <p:cNvPr id="4" name="图片 3">
+            <a:extLst>
+              <a:ext uri="{FF2B5EF4-FFF2-40B4-BE49-F238E27FC236}">
+                <a16:creationId xmlns:a16="http://schemas.microsoft.com/office/drawing/2014/main" id="{2BEB99DB-E360-47BD-BAB1-83CF7FD6E556}"/>
+              </a:ext>
+            </a:extLst>
+          </p:cNvPr>
+          <p:cNvPicPr>
+            <a:picLocks noChangeAspect="1"/>
+          </p:cNvPicPr>
+          <p:nvPr/>
+        </p:nvPicPr>
+        <p:blipFill>
+          <a:blip r:embed="rId2"/>
+          <a:stretch>
+            <a:fillRect/>
+          </a:stretch>
+        </p:blipFill>
+        <p:spPr>
+          <a:xfrm>
+            <a:off x="6619016" y="3686465"/>
+            <a:ext cx="5572984" cy="3154175"/>
+          </a:xfrm>
+          <a:prstGeom prst="rect">
+            <a:avLst/>
+          </a:prstGeom>
+        </p:spPr>
+      </p:pic>
       <p:sp>
         <p:nvSpPr>
           <p:cNvPr id="2" name="标题 1">
             <a:extLst>
               <a:ext uri="{FF2B5EF4-FFF2-40B4-BE49-F238E27FC236}">
-                <a16:creationId xmlns:a16="http://schemas.microsoft.com/office/drawing/2014/main" id="{A8AC40F3-CFB7-4BED-8671-71E99152436C}"/>
+                <a16:creationId xmlns:a16="http://schemas.microsoft.com/office/drawing/2014/main" id="{8A5AEDBD-79FD-45D0-AC2D-A7D67795A937}"/>
               </a:ext>
             </a:extLst>
           </p:cNvPr>
@@ -7216,8 +7361,10 @@
           <a:lstStyle/>
           <a:p>
             <a:r>
-              <a:rPr lang="en-US" altLang="zh-CN" dirty="0"/>
-              <a:t>Dynamic Memory Management</a:t>
+              <a:rPr lang="en-US" altLang="zh-CN" dirty="0">
+                <a:ea typeface="等线 Light"/>
+              </a:rPr>
+              <a:t>Tagged Memory</a:t>
             </a:r>
             <a:endParaRPr lang="zh-CN" altLang="en-US" dirty="0"/>
           </a:p>
@@ -7228,7 +7375,7 @@
           <p:cNvPr id="3" name="内容占位符 2">
             <a:extLst>
               <a:ext uri="{FF2B5EF4-FFF2-40B4-BE49-F238E27FC236}">
-                <a16:creationId xmlns:a16="http://schemas.microsoft.com/office/drawing/2014/main" id="{1C1B693E-5775-4613-9A12-36A94D75DD10}"/>
+                <a16:creationId xmlns:a16="http://schemas.microsoft.com/office/drawing/2014/main" id="{2DC466CE-6880-4B1A-A1E4-A2E467DF97A7}"/>
               </a:ext>
             </a:extLst>
           </p:cNvPr>
@@ -7246,41 +7393,86 @@
           <a:p>
             <a:r>
               <a:rPr lang="en-US" altLang="zh-CN" dirty="0"/>
-              <a:t>Granularity: Word</a:t>
-            </a:r>
-          </a:p>
-          <a:p>
-            <a:r>
-              <a:rPr lang="en-US" altLang="zh-CN" dirty="0"/>
-              <a:t>User &lt;-&gt; Memory Claim/Release by Check Store Instruction</a:t>
-            </a:r>
-          </a:p>
-          <a:p>
-            <a:r>
-              <a:rPr lang="en-US" altLang="zh-CN" dirty="0"/>
-              <a:t>Security Analysis:</a:t>
-            </a:r>
-          </a:p>
-          <a:p>
-            <a:pPr lvl="1"/>
-            <a:r>
-              <a:rPr lang="en-US" altLang="zh-CN" dirty="0"/>
-              <a:t>Validity of the memory when claiming it</a:t>
-            </a:r>
-          </a:p>
-          <a:p>
-            <a:pPr lvl="1"/>
-            <a:r>
-              <a:rPr lang="en-US" altLang="zh-CN" dirty="0"/>
-              <a:t>Validity during usage.</a:t>
-            </a:r>
+              <a:t>HDFI</a:t>
+            </a:r>
+            <a:r>
+              <a:rPr lang="zh-CN" altLang="en-US" dirty="0"/>
+              <a:t>：</a:t>
+            </a:r>
+            <a:r>
+              <a:rPr lang="en-US" altLang="zh-CN" dirty="0">
+                <a:solidFill>
+                  <a:srgbClr val="FF0000"/>
+                </a:solidFill>
+              </a:rPr>
+              <a:t>Virtually</a:t>
+            </a:r>
+            <a:r>
+              <a:rPr lang="en-US" altLang="zh-CN" dirty="0"/>
+              <a:t> extend each memory unit with an additional tag,</a:t>
+            </a:r>
+          </a:p>
+          <a:p>
+            <a:pPr marL="914400" lvl="2" indent="0">
+              <a:buNone/>
+            </a:pPr>
+            <a:r>
+              <a:rPr lang="en-US" altLang="zh-CN" dirty="0"/>
+              <a:t>      </a:t>
+            </a:r>
+            <a:r>
+              <a:rPr lang="en-US" altLang="zh-CN" sz="2800" dirty="0"/>
+              <a:t>defined by </a:t>
+            </a:r>
+            <a:r>
+              <a:rPr lang="en-US" altLang="zh-CN" sz="2800" dirty="0">
+                <a:solidFill>
+                  <a:srgbClr val="FF0000"/>
+                </a:solidFill>
+              </a:rPr>
+              <a:t>data flow </a:t>
+            </a:r>
+            <a:r>
+              <a:rPr lang="en-US" altLang="zh-CN" sz="2800" dirty="0"/>
+              <a:t>(2016)</a:t>
+            </a:r>
+          </a:p>
+          <a:p>
+            <a:pPr marL="914400" lvl="2" indent="0">
+              <a:buNone/>
+            </a:pPr>
+            <a:endParaRPr lang="en-US" altLang="zh-CN" sz="2800" dirty="0"/>
+          </a:p>
+          <a:p>
+            <a:r>
+              <a:rPr lang="en-US" altLang="zh-CN" dirty="0"/>
+              <a:t>Loki</a:t>
+            </a:r>
+            <a:r>
+              <a:rPr lang="zh-CN" altLang="en-US" dirty="0"/>
+              <a:t>：</a:t>
+            </a:r>
+            <a:r>
+              <a:rPr lang="en-US" altLang="zh-CN" dirty="0"/>
+              <a:t>Hardware Enforcement of Application Security Policies       </a:t>
+            </a:r>
+          </a:p>
+          <a:p>
+            <a:pPr marL="0" indent="0">
+              <a:buNone/>
+            </a:pPr>
+            <a:r>
+              <a:rPr lang="en-US" altLang="zh-CN" dirty="0"/>
+              <a:t>            Using Tagged Memory (2008)</a:t>
+            </a:r>
+            <a:endParaRPr lang="zh-CN" altLang="en-US" dirty="0"/>
           </a:p>
         </p:txBody>
       </p:sp>
     </p:spTree>
     <p:extLst>
       <p:ext uri="{BB962C8B-B14F-4D97-AF65-F5344CB8AC3E}">
-        <p14:creationId xmlns:p14="http://schemas.microsoft.com/office/powerpoint/2010/main" val="2534228466"/>
+        <p14:creationId xmlns:p14="http://schemas.microsoft.com/office/powerpoint/2010/main" val="1335850902"/>
       </p:ext>
     </p:extLst>
   </p:cSld>
@@ -7309,309 +7501,19 @@
       </p:grpSpPr>
       <p:sp>
         <p:nvSpPr>
-          <p:cNvPr id="2" name="标题 1">
-            <a:extLst>
-              <a:ext uri="{FF2B5EF4-FFF2-40B4-BE49-F238E27FC236}">
-                <a16:creationId xmlns:a16="http://schemas.microsoft.com/office/drawing/2014/main" id="{CD8C2B35-7236-4B09-AB86-3EF146BBBC19}"/>
-              </a:ext>
-            </a:extLst>
-          </p:cNvPr>
-          <p:cNvSpPr>
-            <a:spLocks noGrp="1"/>
-          </p:cNvSpPr>
-          <p:nvPr>
-            <p:ph type="title"/>
-          </p:nvPr>
-        </p:nvSpPr>
-        <p:spPr/>
-        <p:txBody>
-          <a:bodyPr/>
-          <a:lstStyle/>
-          <a:p>
-            <a:r>
-              <a:rPr lang="en-US" altLang="zh-CN" dirty="0"/>
-              <a:t>Design Goals</a:t>
-            </a:r>
-            <a:endParaRPr lang="zh-CN" altLang="en-US" dirty="0"/>
-          </a:p>
-        </p:txBody>
-      </p:sp>
-      <p:sp>
-        <p:nvSpPr>
-          <p:cNvPr id="3" name="内容占位符 2">
-            <a:extLst>
-              <a:ext uri="{FF2B5EF4-FFF2-40B4-BE49-F238E27FC236}">
-                <a16:creationId xmlns:a16="http://schemas.microsoft.com/office/drawing/2014/main" id="{2B4F8F6E-0F47-423C-A04E-9ADF85EACD9E}"/>
-              </a:ext>
-            </a:extLst>
-          </p:cNvPr>
-          <p:cNvSpPr>
-            <a:spLocks noGrp="1"/>
-          </p:cNvSpPr>
-          <p:nvPr>
-            <p:ph idx="1"/>
-          </p:nvPr>
-        </p:nvSpPr>
-        <p:spPr/>
-        <p:txBody>
-          <a:bodyPr>
-            <a:normAutofit fontScale="70000" lnSpcReduction="20000"/>
-          </a:bodyPr>
-          <a:lstStyle/>
-          <a:p>
-            <a:pPr>
-              <a:lnSpc>
-                <a:spcPct val="120000"/>
-              </a:lnSpc>
-            </a:pPr>
-            <a:r>
-              <a:rPr lang="en-US" altLang="zh-CN" dirty="0"/>
-              <a:t>G1 Security</a:t>
-            </a:r>
-          </a:p>
-          <a:p>
-            <a:pPr marL="0" indent="0">
-              <a:lnSpc>
-                <a:spcPct val="120000"/>
-              </a:lnSpc>
-              <a:buNone/>
-            </a:pPr>
-            <a:r>
-              <a:rPr lang="en-US" altLang="zh-CN" dirty="0"/>
-              <a:t>	</a:t>
-            </a:r>
-            <a:r>
-              <a:rPr lang="en-US" altLang="zh-CN" sz="2500" dirty="0"/>
-              <a:t>(</a:t>
-            </a:r>
-            <a:r>
-              <a:rPr lang="en-US" altLang="zh-CN" sz="2500" dirty="0" err="1"/>
-              <a:t>i</a:t>
-            </a:r>
-            <a:r>
-              <a:rPr lang="en-US" altLang="zh-CN" sz="2500" dirty="0"/>
-              <a:t>) strong memory isolation	(ii) secure entry points</a:t>
-            </a:r>
-          </a:p>
-          <a:p>
-            <a:pPr marL="0" indent="0">
-              <a:lnSpc>
-                <a:spcPct val="120000"/>
-              </a:lnSpc>
-              <a:buNone/>
-            </a:pPr>
-            <a:r>
-              <a:rPr lang="en-US" altLang="zh-CN" sz="2500" dirty="0"/>
-              <a:t>	(iii) secure communication	(iv) attestation and sealing</a:t>
-            </a:r>
-          </a:p>
-          <a:p>
-            <a:pPr>
-              <a:lnSpc>
-                <a:spcPct val="120000"/>
-              </a:lnSpc>
-            </a:pPr>
-            <a:r>
-              <a:rPr lang="en-US" altLang="zh-CN" dirty="0"/>
-              <a:t>G2 Flexibility</a:t>
-            </a:r>
-          </a:p>
-          <a:p>
-            <a:pPr marL="457200" lvl="1" indent="0">
-              <a:lnSpc>
-                <a:spcPct val="120000"/>
-              </a:lnSpc>
-              <a:buNone/>
-            </a:pPr>
-            <a:r>
-              <a:rPr lang="en-US" altLang="zh-CN" dirty="0"/>
-              <a:t>	(</a:t>
-            </a:r>
-            <a:r>
-              <a:rPr lang="en-US" altLang="zh-CN" dirty="0" err="1"/>
-              <a:t>i</a:t>
-            </a:r>
-            <a:r>
-              <a:rPr lang="en-US" altLang="zh-CN" dirty="0"/>
-              <a:t>) fine-grained 		(ii) dynamically reconfigurable isolation boundaries</a:t>
-            </a:r>
-          </a:p>
-          <a:p>
-            <a:pPr>
-              <a:lnSpc>
-                <a:spcPct val="120000"/>
-              </a:lnSpc>
-            </a:pPr>
-            <a:r>
-              <a:rPr lang="en-US" altLang="zh-CN" dirty="0"/>
-              <a:t>G3 Compatibility</a:t>
-            </a:r>
-          </a:p>
-          <a:p>
-            <a:pPr marL="0" indent="0">
-              <a:lnSpc>
-                <a:spcPct val="120000"/>
-              </a:lnSpc>
-              <a:buNone/>
-            </a:pPr>
-            <a:r>
-              <a:rPr lang="en-US" altLang="zh-CN" dirty="0"/>
-              <a:t>	</a:t>
-            </a:r>
-            <a:r>
-              <a:rPr lang="en-US" altLang="zh-CN" sz="2400" dirty="0"/>
-              <a:t>Support existing </a:t>
-            </a:r>
-            <a:r>
-              <a:rPr lang="en-US" altLang="zh-CN" sz="2400" dirty="0" err="1"/>
-              <a:t>os</a:t>
-            </a:r>
-            <a:r>
-              <a:rPr lang="en-US" altLang="zh-CN" sz="2400" dirty="0"/>
-              <a:t> and apps without modification</a:t>
-            </a:r>
-          </a:p>
-          <a:p>
-            <a:pPr>
-              <a:lnSpc>
-                <a:spcPct val="120000"/>
-              </a:lnSpc>
-            </a:pPr>
-            <a:r>
-              <a:rPr lang="en-US" altLang="zh-CN" dirty="0"/>
-              <a:t>G4 Low Overhead</a:t>
-            </a:r>
-          </a:p>
-          <a:p>
-            <a:pPr marL="0" indent="0">
-              <a:lnSpc>
-                <a:spcPct val="120000"/>
-              </a:lnSpc>
-              <a:buNone/>
-            </a:pPr>
-            <a:r>
-              <a:rPr lang="en-US" altLang="zh-CN" dirty="0"/>
-              <a:t>	</a:t>
-            </a:r>
-            <a:r>
-              <a:rPr lang="en-US" altLang="zh-CN" sz="2400" dirty="0"/>
-              <a:t>(</a:t>
-            </a:r>
-            <a:r>
-              <a:rPr lang="en-US" altLang="zh-CN" sz="2400" dirty="0" err="1"/>
-              <a:t>i</a:t>
-            </a:r>
-            <a:r>
-              <a:rPr lang="en-US" altLang="zh-CN" sz="2400" dirty="0"/>
-              <a:t>) cost of tagged memory 	(ii) performance overhead of switching security domains</a:t>
-            </a:r>
-          </a:p>
-          <a:p>
-            <a:pPr>
-              <a:lnSpc>
-                <a:spcPct val="120000"/>
-              </a:lnSpc>
-            </a:pPr>
-            <a:r>
-              <a:rPr lang="en-US" altLang="zh-CN" dirty="0"/>
-              <a:t>G5 Real-time</a:t>
-            </a:r>
-            <a:endParaRPr lang="zh-CN" altLang="en-US" dirty="0"/>
-          </a:p>
-        </p:txBody>
-      </p:sp>
-      <p:sp>
-        <p:nvSpPr>
-          <p:cNvPr id="4" name="矩形 3">
-            <a:extLst>
-              <a:ext uri="{FF2B5EF4-FFF2-40B4-BE49-F238E27FC236}">
-                <a16:creationId xmlns:a16="http://schemas.microsoft.com/office/drawing/2014/main" id="{EC5A6D9B-E6D7-4513-AEC5-B06014512410}"/>
-              </a:ext>
-            </a:extLst>
-          </p:cNvPr>
-          <p:cNvSpPr/>
+          <p:cNvPr id="4" name="文本框 3">
+            <a:extLst>
+              <a:ext uri="{FF2B5EF4-FFF2-40B4-BE49-F238E27FC236}">
+                <a16:creationId xmlns:a16="http://schemas.microsoft.com/office/drawing/2014/main" id="{D987FEA8-A4A3-43C4-911D-4533CFF13574}"/>
+              </a:ext>
+            </a:extLst>
+          </p:cNvPr>
+          <p:cNvSpPr txBox="1"/>
           <p:nvPr/>
         </p:nvSpPr>
         <p:spPr>
           <a:xfrm>
-            <a:off x="6041081" y="6050290"/>
-            <a:ext cx="6004016" cy="523220"/>
-          </a:xfrm>
-          <a:prstGeom prst="rect">
-            <a:avLst/>
-          </a:prstGeom>
-        </p:spPr>
-        <p:txBody>
-          <a:bodyPr wrap="none">
-            <a:spAutoFit/>
-          </a:bodyPr>
-          <a:lstStyle/>
-          <a:p>
-            <a:pPr algn="ctr"/>
-            <a:r>
-              <a:rPr lang="en-US" altLang="zh-CN" sz="2800" b="1" dirty="0">
-                <a:solidFill>
-                  <a:srgbClr val="FF0000"/>
-                </a:solidFill>
-                <a:latin typeface="NimbusRomNo9L-Regu"/>
-              </a:rPr>
-              <a:t>*</a:t>
-            </a:r>
-            <a:r>
-              <a:rPr lang="en-US" altLang="zh-CN" b="1" dirty="0">
-                <a:latin typeface="NimbusRomNo9L-Regu"/>
-              </a:rPr>
-              <a:t> TIMBER-V does not prevent software side-channel attacks.</a:t>
-            </a:r>
-            <a:endParaRPr lang="zh-CN" altLang="en-US" b="1" dirty="0"/>
-          </a:p>
-        </p:txBody>
-      </p:sp>
-    </p:spTree>
-    <p:extLst>
-      <p:ext uri="{BB962C8B-B14F-4D97-AF65-F5344CB8AC3E}">
-        <p14:creationId xmlns:p14="http://schemas.microsoft.com/office/powerpoint/2010/main" val="2262985119"/>
-      </p:ext>
-    </p:extLst>
-  </p:cSld>
-  <p:clrMapOvr>
-    <a:masterClrMapping/>
-  </p:clrMapOvr>
-</p:sld>
-</file>
-
-<file path=ppt/slides/slide4.xml><?xml version="1.0" encoding="utf-8"?>
-<p:sld xmlns:a="http://schemas.openxmlformats.org/drawingml/2006/main" xmlns:r="http://schemas.openxmlformats.org/officeDocument/2006/relationships" xmlns:p="http://schemas.openxmlformats.org/presentationml/2006/main">
-  <p:cSld>
-    <p:spTree>
-      <p:nvGrpSpPr>
-        <p:cNvPr id="1" name=""/>
-        <p:cNvGrpSpPr/>
-        <p:nvPr/>
-      </p:nvGrpSpPr>
-      <p:grpSpPr>
-        <a:xfrm>
-          <a:off x="0" y="0"/>
-          <a:ext cx="0" cy="0"/>
-          <a:chOff x="0" y="0"/>
-          <a:chExt cx="0" cy="0"/>
-        </a:xfrm>
-      </p:grpSpPr>
-      <p:sp>
-        <p:nvSpPr>
-          <p:cNvPr id="4" name="文本框 3">
-            <a:extLst>
-              <a:ext uri="{FF2B5EF4-FFF2-40B4-BE49-F238E27FC236}">
-                <a16:creationId xmlns:a16="http://schemas.microsoft.com/office/drawing/2014/main" id="{D987FEA8-A4A3-43C4-911D-4533CFF13574}"/>
-              </a:ext>
-            </a:extLst>
-          </p:cNvPr>
-          <p:cNvSpPr txBox="1"/>
-          <p:nvPr/>
-        </p:nvSpPr>
-        <p:spPr>
-          <a:xfrm>
-            <a:off x="0" y="3259150"/>
+            <a:off x="1770092" y="3024607"/>
             <a:ext cx="1329267" cy="369332"/>
           </a:xfrm>
           <a:prstGeom prst="rect">
@@ -7647,7 +7549,7 @@
         </p:nvSpPr>
         <p:spPr>
           <a:xfrm>
-            <a:off x="1329267" y="1447800"/>
+            <a:off x="3099359" y="1213257"/>
             <a:ext cx="423333" cy="4650316"/>
           </a:xfrm>
           <a:prstGeom prst="leftBrace">
@@ -7694,7 +7596,7 @@
         </p:nvSpPr>
         <p:spPr>
           <a:xfrm>
-            <a:off x="1821602" y="1334371"/>
+            <a:off x="3591694" y="1099828"/>
             <a:ext cx="1148928" cy="369332"/>
           </a:xfrm>
           <a:prstGeom prst="rect">
@@ -7730,7 +7632,7 @@
         </p:nvSpPr>
         <p:spPr>
           <a:xfrm>
-            <a:off x="1821602" y="3772958"/>
+            <a:off x="3584922" y="3309476"/>
             <a:ext cx="1202267" cy="369332"/>
           </a:xfrm>
           <a:prstGeom prst="rect">
@@ -7766,8 +7668,8 @@
         </p:nvSpPr>
         <p:spPr>
           <a:xfrm>
-            <a:off x="3050116" y="489042"/>
-            <a:ext cx="204894" cy="2147477"/>
+            <a:off x="4849419" y="857751"/>
+            <a:ext cx="260350" cy="845329"/>
           </a:xfrm>
           <a:prstGeom prst="leftBrace">
             <a:avLst>
@@ -7813,7 +7715,7 @@
         </p:nvSpPr>
         <p:spPr>
           <a:xfrm>
-            <a:off x="3464560" y="235796"/>
+            <a:off x="5263863" y="604505"/>
             <a:ext cx="1333500" cy="369332"/>
           </a:xfrm>
           <a:prstGeom prst="rect">
@@ -7845,7 +7747,7 @@
         </p:nvSpPr>
         <p:spPr>
           <a:xfrm>
-            <a:off x="3310466" y="304376"/>
+            <a:off x="5109769" y="673085"/>
             <a:ext cx="1836420" cy="369332"/>
           </a:xfrm>
           <a:prstGeom prst="rect">
@@ -7881,7 +7783,7 @@
         </p:nvSpPr>
         <p:spPr>
           <a:xfrm>
-            <a:off x="3310466" y="1263134"/>
+            <a:off x="5109769" y="1631843"/>
             <a:ext cx="2484120" cy="369332"/>
           </a:xfrm>
           <a:prstGeom prst="rect">
@@ -7917,7 +7819,7 @@
         </p:nvSpPr>
         <p:spPr>
           <a:xfrm>
-            <a:off x="5168476" y="171835"/>
+            <a:off x="6967779" y="540544"/>
             <a:ext cx="204894" cy="634414"/>
           </a:xfrm>
           <a:prstGeom prst="leftBrace">
@@ -7964,7 +7866,7 @@
         </p:nvSpPr>
         <p:spPr>
           <a:xfrm>
-            <a:off x="5373370" y="608752"/>
+            <a:off x="7172673" y="977461"/>
             <a:ext cx="2828715" cy="369332"/>
           </a:xfrm>
           <a:prstGeom prst="rect">
@@ -8000,7 +7902,7 @@
         </p:nvSpPr>
         <p:spPr>
           <a:xfrm>
-            <a:off x="5373370" y="0"/>
+            <a:off x="7172673" y="368709"/>
             <a:ext cx="2232660" cy="369332"/>
           </a:xfrm>
           <a:prstGeom prst="rect">
@@ -8036,7 +7938,7 @@
         </p:nvSpPr>
         <p:spPr>
           <a:xfrm>
-            <a:off x="3464560" y="5753667"/>
+            <a:off x="5234652" y="5342300"/>
             <a:ext cx="2359237" cy="369332"/>
           </a:xfrm>
           <a:prstGeom prst="rect">
@@ -8072,8 +7974,8 @@
         </p:nvSpPr>
         <p:spPr>
           <a:xfrm>
-            <a:off x="1821602" y="5753667"/>
-            <a:ext cx="1495922" cy="369332"/>
+            <a:off x="3813418" y="5673004"/>
+            <a:ext cx="851515" cy="369332"/>
           </a:xfrm>
           <a:prstGeom prst="rect">
             <a:avLst/>
@@ -8087,9 +7989,210 @@
           <a:p>
             <a:r>
               <a:rPr lang="en-US" altLang="zh-CN" dirty="0"/>
-              <a:t>Compatibility</a:t>
+              <a:t>Others</a:t>
             </a:r>
             <a:endParaRPr lang="zh-CN" altLang="en-US" dirty="0"/>
+          </a:p>
+        </p:txBody>
+      </p:sp>
+      <p:sp>
+        <p:nvSpPr>
+          <p:cNvPr id="17" name="左大括号 16">
+            <a:extLst>
+              <a:ext uri="{FF2B5EF4-FFF2-40B4-BE49-F238E27FC236}">
+                <a16:creationId xmlns:a16="http://schemas.microsoft.com/office/drawing/2014/main" id="{A63BF880-49D1-4B8F-B669-D45602284382}"/>
+              </a:ext>
+            </a:extLst>
+          </p:cNvPr>
+          <p:cNvSpPr/>
+          <p:nvPr/>
+        </p:nvSpPr>
+        <p:spPr>
+          <a:xfrm>
+            <a:off x="4664933" y="2756587"/>
+            <a:ext cx="422683" cy="1475110"/>
+          </a:xfrm>
+          <a:prstGeom prst="leftBrace">
+            <a:avLst>
+              <a:gd name="adj1" fmla="val 154333"/>
+              <a:gd name="adj2" fmla="val 50646"/>
+            </a:avLst>
+          </a:prstGeom>
+        </p:spPr>
+        <p:style>
+          <a:lnRef idx="3">
+            <a:schemeClr val="dk1"/>
+          </a:lnRef>
+          <a:fillRef idx="0">
+            <a:schemeClr val="dk1"/>
+          </a:fillRef>
+          <a:effectRef idx="2">
+            <a:schemeClr val="dk1"/>
+          </a:effectRef>
+          <a:fontRef idx="minor">
+            <a:schemeClr val="tx1"/>
+          </a:fontRef>
+        </p:style>
+        <p:txBody>
+          <a:bodyPr rtlCol="0" anchor="ctr"/>
+          <a:lstStyle/>
+          <a:p>
+            <a:pPr algn="ctr"/>
+            <a:endParaRPr lang="zh-CN" altLang="en-US" sz="1400"/>
+          </a:p>
+        </p:txBody>
+      </p:sp>
+      <p:sp>
+        <p:nvSpPr>
+          <p:cNvPr id="18" name="文本框 17">
+            <a:extLst>
+              <a:ext uri="{FF2B5EF4-FFF2-40B4-BE49-F238E27FC236}">
+                <a16:creationId xmlns:a16="http://schemas.microsoft.com/office/drawing/2014/main" id="{FC3E0195-53E0-400A-9B84-8DA6E294E882}"/>
+              </a:ext>
+            </a:extLst>
+          </p:cNvPr>
+          <p:cNvSpPr txBox="1"/>
+          <p:nvPr/>
+        </p:nvSpPr>
+        <p:spPr>
+          <a:xfrm>
+            <a:off x="5109769" y="2547041"/>
+            <a:ext cx="3319650" cy="369332"/>
+          </a:xfrm>
+          <a:prstGeom prst="rect">
+            <a:avLst/>
+          </a:prstGeom>
+          <a:noFill/>
+        </p:spPr>
+        <p:txBody>
+          <a:bodyPr wrap="square" rtlCol="0">
+            <a:spAutoFit/>
+          </a:bodyPr>
+          <a:lstStyle/>
+          <a:p>
+            <a:r>
+              <a:rPr lang="en-US" altLang="zh-CN" dirty="0"/>
+              <a:t>Trusted OS Services</a:t>
+            </a:r>
+            <a:endParaRPr lang="zh-CN" altLang="en-US" dirty="0"/>
+          </a:p>
+        </p:txBody>
+      </p:sp>
+      <p:sp>
+        <p:nvSpPr>
+          <p:cNvPr id="19" name="文本框 18">
+            <a:extLst>
+              <a:ext uri="{FF2B5EF4-FFF2-40B4-BE49-F238E27FC236}">
+                <a16:creationId xmlns:a16="http://schemas.microsoft.com/office/drawing/2014/main" id="{DA63EB1F-BA97-4B04-8576-9CB823A6EE69}"/>
+              </a:ext>
+            </a:extLst>
+          </p:cNvPr>
+          <p:cNvSpPr txBox="1"/>
+          <p:nvPr/>
+        </p:nvSpPr>
+        <p:spPr>
+          <a:xfrm>
+            <a:off x="5087616" y="4033082"/>
+            <a:ext cx="3927825" cy="369332"/>
+          </a:xfrm>
+          <a:prstGeom prst="rect">
+            <a:avLst/>
+          </a:prstGeom>
+          <a:noFill/>
+        </p:spPr>
+        <p:txBody>
+          <a:bodyPr wrap="square" rtlCol="0">
+            <a:spAutoFit/>
+          </a:bodyPr>
+          <a:lstStyle/>
+          <a:p>
+            <a:r>
+              <a:rPr lang="en-US" altLang="zh-CN" dirty="0"/>
+              <a:t>Trusted Enclave Services</a:t>
+            </a:r>
+            <a:endParaRPr lang="zh-CN" altLang="en-US" dirty="0"/>
+          </a:p>
+        </p:txBody>
+      </p:sp>
+      <p:sp>
+        <p:nvSpPr>
+          <p:cNvPr id="2" name="矩形 1">
+            <a:extLst>
+              <a:ext uri="{FF2B5EF4-FFF2-40B4-BE49-F238E27FC236}">
+                <a16:creationId xmlns:a16="http://schemas.microsoft.com/office/drawing/2014/main" id="{6A535E73-BB23-46D6-8866-D00BF9DA380F}"/>
+              </a:ext>
+            </a:extLst>
+          </p:cNvPr>
+          <p:cNvSpPr/>
+          <p:nvPr/>
+        </p:nvSpPr>
+        <p:spPr>
+          <a:xfrm>
+            <a:off x="5295213" y="6000249"/>
+            <a:ext cx="2238113" cy="369332"/>
+          </a:xfrm>
+          <a:prstGeom prst="rect">
+            <a:avLst/>
+          </a:prstGeom>
+        </p:spPr>
+        <p:txBody>
+          <a:bodyPr wrap="none">
+            <a:spAutoFit/>
+          </a:bodyPr>
+          <a:lstStyle/>
+          <a:p>
+            <a:r>
+              <a:rPr lang="en-US" altLang="zh-CN" dirty="0"/>
+              <a:t>Memory Interleaving</a:t>
+            </a:r>
+            <a:endParaRPr lang="zh-CN" altLang="en-US" dirty="0"/>
+          </a:p>
+        </p:txBody>
+      </p:sp>
+      <p:sp>
+        <p:nvSpPr>
+          <p:cNvPr id="20" name="左大括号 19">
+            <a:extLst>
+              <a:ext uri="{FF2B5EF4-FFF2-40B4-BE49-F238E27FC236}">
+                <a16:creationId xmlns:a16="http://schemas.microsoft.com/office/drawing/2014/main" id="{3CA96091-3C9A-44D3-8B56-BC0172768040}"/>
+              </a:ext>
+            </a:extLst>
+          </p:cNvPr>
+          <p:cNvSpPr/>
+          <p:nvPr/>
+        </p:nvSpPr>
+        <p:spPr>
+          <a:xfrm>
+            <a:off x="4974302" y="5418275"/>
+            <a:ext cx="260350" cy="845329"/>
+          </a:xfrm>
+          <a:prstGeom prst="leftBrace">
+            <a:avLst>
+              <a:gd name="adj1" fmla="val 154333"/>
+              <a:gd name="adj2" fmla="val 49972"/>
+            </a:avLst>
+          </a:prstGeom>
+        </p:spPr>
+        <p:style>
+          <a:lnRef idx="3">
+            <a:schemeClr val="dk1"/>
+          </a:lnRef>
+          <a:fillRef idx="0">
+            <a:schemeClr val="dk1"/>
+          </a:fillRef>
+          <a:effectRef idx="2">
+            <a:schemeClr val="dk1"/>
+          </a:effectRef>
+          <a:fontRef idx="minor">
+            <a:schemeClr val="tx1"/>
+          </a:fontRef>
+        </p:style>
+        <p:txBody>
+          <a:bodyPr rtlCol="0" anchor="ctr"/>
+          <a:lstStyle/>
+          <a:p>
+            <a:pPr algn="ctr"/>
+            <a:endParaRPr lang="zh-CN" altLang="en-US"/>
           </a:p>
         </p:txBody>
       </p:sp>
@@ -8106,7 +8209,7 @@
 </p:sld>
 </file>
 
-<file path=ppt/slides/slide5.xml><?xml version="1.0" encoding="utf-8"?>
+<file path=ppt/slides/slide4.xml><?xml version="1.0" encoding="utf-8"?>
 <p:sld xmlns:a="http://schemas.openxmlformats.org/drawingml/2006/main" xmlns:r="http://schemas.openxmlformats.org/officeDocument/2006/relationships" xmlns:p="http://schemas.openxmlformats.org/presentationml/2006/main">
   <p:cSld>
     <p:spTree>
@@ -8262,7 +8365,7 @@
 </p:sld>
 </file>
 
-<file path=ppt/slides/slide6.xml><?xml version="1.0" encoding="utf-8"?>
+<file path=ppt/slides/slide5.xml><?xml version="1.0" encoding="utf-8"?>
 <p:sld xmlns:a="http://schemas.openxmlformats.org/drawingml/2006/main" xmlns:r="http://schemas.openxmlformats.org/officeDocument/2006/relationships" xmlns:p="http://schemas.openxmlformats.org/presentationml/2006/main">
   <p:cSld>
     <p:spTree>
@@ -8616,7 +8719,7 @@
 </p:sld>
 </file>
 
-<file path=ppt/slides/slide7.xml><?xml version="1.0" encoding="utf-8"?>
+<file path=ppt/slides/slide6.xml><?xml version="1.0" encoding="utf-8"?>
 <p:sld xmlns:a="http://schemas.openxmlformats.org/drawingml/2006/main" xmlns:r="http://schemas.openxmlformats.org/officeDocument/2006/relationships" xmlns:p="http://schemas.openxmlformats.org/presentationml/2006/main">
   <p:cSld>
     <p:spTree>
@@ -8785,7 +8888,7 @@
 </p:sld>
 </file>
 
-<file path=ppt/slides/slide8.xml><?xml version="1.0" encoding="utf-8"?>
+<file path=ppt/slides/slide7.xml><?xml version="1.0" encoding="utf-8"?>
 <p:sld xmlns:a="http://schemas.openxmlformats.org/drawingml/2006/main" xmlns:r="http://schemas.openxmlformats.org/officeDocument/2006/relationships" xmlns:p="http://schemas.openxmlformats.org/presentationml/2006/main">
   <p:cSld>
     <p:spTree>
@@ -9002,7 +9105,7 @@
 </p:sld>
 </file>
 
-<file path=ppt/slides/slide9.xml><?xml version="1.0" encoding="utf-8"?>
+<file path=ppt/slides/slide8.xml><?xml version="1.0" encoding="utf-8"?>
 <p:sld xmlns:a="http://schemas.openxmlformats.org/drawingml/2006/main" xmlns:r="http://schemas.openxmlformats.org/officeDocument/2006/relationships" xmlns:p="http://schemas.openxmlformats.org/presentationml/2006/main">
   <p:cSld>
     <p:spTree>
@@ -9084,6 +9187,191 @@
     <p:extLst>
       <p:ext uri="{BB962C8B-B14F-4D97-AF65-F5344CB8AC3E}">
         <p14:creationId xmlns:p14="http://schemas.microsoft.com/office/powerpoint/2010/main" val="4027224355"/>
+      </p:ext>
+    </p:extLst>
+  </p:cSld>
+  <p:clrMapOvr>
+    <a:masterClrMapping/>
+  </p:clrMapOvr>
+</p:sld>
+</file>
+
+<file path=ppt/slides/slide9.xml><?xml version="1.0" encoding="utf-8"?>
+<p:sld xmlns:a="http://schemas.openxmlformats.org/drawingml/2006/main" xmlns:r="http://schemas.openxmlformats.org/officeDocument/2006/relationships" xmlns:p="http://schemas.openxmlformats.org/presentationml/2006/main">
+  <p:cSld>
+    <p:spTree>
+      <p:nvGrpSpPr>
+        <p:cNvPr id="1" name=""/>
+        <p:cNvGrpSpPr/>
+        <p:nvPr/>
+      </p:nvGrpSpPr>
+      <p:grpSpPr>
+        <a:xfrm>
+          <a:off x="0" y="0"/>
+          <a:ext cx="0" cy="0"/>
+          <a:chOff x="0" y="0"/>
+          <a:chExt cx="0" cy="0"/>
+        </a:xfrm>
+      </p:grpSpPr>
+      <p:sp>
+        <p:nvSpPr>
+          <p:cNvPr id="2" name="标题 1">
+            <a:extLst>
+              <a:ext uri="{FF2B5EF4-FFF2-40B4-BE49-F238E27FC236}">
+                <a16:creationId xmlns:a16="http://schemas.microsoft.com/office/drawing/2014/main" id="{D245DDAE-3741-4EDF-B59B-C7FD50FE0607}"/>
+              </a:ext>
+            </a:extLst>
+          </p:cNvPr>
+          <p:cNvSpPr>
+            <a:spLocks noGrp="1"/>
+          </p:cNvSpPr>
+          <p:nvPr>
+            <p:ph type="title"/>
+          </p:nvPr>
+        </p:nvSpPr>
+        <p:spPr/>
+        <p:txBody>
+          <a:bodyPr/>
+          <a:lstStyle/>
+          <a:p>
+            <a:r>
+              <a:rPr lang="en-US" altLang="zh-CN" dirty="0"/>
+              <a:t>Tag-aware Instructions</a:t>
+            </a:r>
+            <a:endParaRPr lang="zh-CN" altLang="en-US" dirty="0"/>
+          </a:p>
+        </p:txBody>
+      </p:sp>
+      <p:pic>
+        <p:nvPicPr>
+          <p:cNvPr id="1026" name="Picture 2" descr="*opcodes &#10;67 sd &#10;68 &#10;fence &#10;69 &#10;fence . t &#10;Itag &#10;72 &#10;73 sta &#10;74 &#10;tmm12ht &#10;31. &#10;31 &#10;rs2 tmm1210 14..12=3 &#10;rsl &#10;.28=tgnore pred succ &#10;.. 28=tgnore 27..20=tgnore &#10;19. .15=tgnore 14. &#10;19. .15=tgnore 14 &#10;. 12=0 11. &#10;..12=1 11. • &#10;.7=tgnore 6. &#10;.7=vgnore6 — &#10;. 2=-exe3 1. .e-3 &#10;.. 2-exo 1. .e-3 &#10;rd rsl &#10;tmm12ht &#10;rsl &#10;tmm12 14..12=0 6..2=0X15 1..0=3 &#10;rs2 tmm1210 14..12=1 6..2=0x15 1..0=3 ">
+            <a:extLst>
+              <a:ext uri="{FF2B5EF4-FFF2-40B4-BE49-F238E27FC236}">
+                <a16:creationId xmlns:a16="http://schemas.microsoft.com/office/drawing/2014/main" id="{DA860683-898B-43F4-ABC3-9F529F373505}"/>
+              </a:ext>
+            </a:extLst>
+          </p:cNvPr>
+          <p:cNvPicPr>
+            <a:picLocks noGrp="1" noChangeAspect="1" noChangeArrowheads="1"/>
+          </p:cNvPicPr>
+          <p:nvPr>
+            <p:ph idx="1"/>
+          </p:nvPr>
+        </p:nvPicPr>
+        <p:blipFill>
+          <a:blip r:embed="rId2">
+            <a:extLst>
+              <a:ext uri="{28A0092B-C50C-407E-A947-70E740481C1C}">
+                <a14:useLocalDpi xmlns:a14="http://schemas.microsoft.com/office/drawing/2010/main" val="0"/>
+              </a:ext>
+            </a:extLst>
+          </a:blip>
+          <a:srcRect/>
+          <a:stretch>
+            <a:fillRect/>
+          </a:stretch>
+        </p:blipFill>
+        <p:spPr bwMode="auto">
+          <a:xfrm>
+            <a:off x="0" y="1380973"/>
+            <a:ext cx="7487265" cy="1587200"/>
+          </a:xfrm>
+          <a:prstGeom prst="rect">
+            <a:avLst/>
+          </a:prstGeom>
+          <a:noFill/>
+          <a:extLst>
+            <a:ext uri="{909E8E84-426E-40DD-AFC4-6F175D3DCCD1}">
+              <a14:hiddenFill xmlns:a14="http://schemas.microsoft.com/office/drawing/2010/main">
+                <a:solidFill>
+                  <a:srgbClr val="FFFFFF"/>
+                </a:solidFill>
+              </a14:hiddenFill>
+            </a:ext>
+          </a:extLst>
+        </p:spPr>
+      </p:pic>
+      <p:pic>
+        <p:nvPicPr>
+          <p:cNvPr id="1028" name="Picture 4" descr="opcodes-custom &#10;1 # custom e &#10;lbct &#10;2 &#10;Ihct &#10;3 &#10;Iwct &#10;4 &#10;Idct &#10;5 &#10;lbuct &#10;6 &#10;Ihuct &#10;7 &#10;lwuct &#10;8 &#10;9 Iłł &#10;1 # cus &#10;sbct &#10;2 &#10;shct &#10;3 &#10;swct &#10;4 &#10;sdct &#10;5 &#10;rd &#10;rd &#10;rd &#10;rd &#10;rd &#10;rd &#10;rd &#10;rd &#10;om 1 &#10;etag &#10;etag &#10;etag &#10;etag &#10;rsl &#10;rsl &#10;rsl &#10;rsl &#10;rsl &#10;rsl &#10;rsl &#10;rsl &#10;ntag &#10;ntag &#10;ntag &#10;ntag &#10;etag &#10;etag &#10;etag &#10;etag &#10;etag &#10;etag &#10;etag &#10;eta &#10;immłe &#10;immłe &#10;immłe &#10;immłe &#10;immłe &#10;immłe &#10;immłe &#10;immłe &#10;14. . 12- &#10;14. . 12 &#10;14. . 12 &#10;14. . 12 &#10;14. &#10;. 12 &#10;14. . 12 &#10;14. &#10;. 12=6 &#10;14. &#10;6..2=exe2 &#10;6. .2=exe2 &#10;6..2=exe2 &#10;6..2=exe2 &#10;6. .2=exe2 &#10;6. .2=exe2 &#10;6..2=exe2 &#10;6. .2=exe2 &#10;1..e=3 &#10;imm8hi &#10;imm8hi &#10;imm8hi &#10;imm8hi &#10;rsl &#10;rsl &#10;rsl &#10;rsl &#10;rs2 &#10;rs2 &#10;rs2 &#10;rs2 &#10;imm810 &#10;imm810 &#10;imm810 &#10;imm810 &#10;14. . 12 &#10;14. .12 &#10;14. . 12 &#10;14..12 &#10;6. .2=exeA &#10;6. .2=exeA &#10;6. .2=exeA &#10;1..e=3 &#10;-31 &#10;6. .2=exeA &#10;l..e- ">
+            <a:extLst>
+              <a:ext uri="{FF2B5EF4-FFF2-40B4-BE49-F238E27FC236}">
+                <a16:creationId xmlns:a16="http://schemas.microsoft.com/office/drawing/2014/main" id="{7940B2C5-77B9-4360-A86B-A2E6C6C570C6}"/>
+              </a:ext>
+            </a:extLst>
+          </p:cNvPr>
+          <p:cNvPicPr>
+            <a:picLocks noChangeAspect="1" noChangeArrowheads="1"/>
+          </p:cNvPicPr>
+          <p:nvPr/>
+        </p:nvPicPr>
+        <p:blipFill>
+          <a:blip r:embed="rId3">
+            <a:extLst>
+              <a:ext uri="{28A0092B-C50C-407E-A947-70E740481C1C}">
+                <a14:useLocalDpi xmlns:a14="http://schemas.microsoft.com/office/drawing/2010/main" val="0"/>
+              </a:ext>
+            </a:extLst>
+          </a:blip>
+          <a:srcRect/>
+          <a:stretch>
+            <a:fillRect/>
+          </a:stretch>
+        </p:blipFill>
+        <p:spPr bwMode="auto">
+          <a:xfrm>
+            <a:off x="1" y="3370007"/>
+            <a:ext cx="7487264" cy="2917003"/>
+          </a:xfrm>
+          <a:prstGeom prst="rect">
+            <a:avLst/>
+          </a:prstGeom>
+          <a:noFill/>
+          <a:extLst>
+            <a:ext uri="{909E8E84-426E-40DD-AFC4-6F175D3DCCD1}">
+              <a14:hiddenFill xmlns:a14="http://schemas.microsoft.com/office/drawing/2010/main">
+                <a:solidFill>
+                  <a:srgbClr val="FFFFFF"/>
+                </a:solidFill>
+              </a14:hiddenFill>
+            </a:ext>
+          </a:extLst>
+        </p:spPr>
+      </p:pic>
+      <p:pic>
+        <p:nvPicPr>
+          <p:cNvPr id="3" name="图片 2">
+            <a:extLst>
+              <a:ext uri="{FF2B5EF4-FFF2-40B4-BE49-F238E27FC236}">
+                <a16:creationId xmlns:a16="http://schemas.microsoft.com/office/drawing/2014/main" id="{8B0CCA96-55FF-47F9-A6ED-2F0DCF7FF329}"/>
+              </a:ext>
+            </a:extLst>
+          </p:cNvPr>
+          <p:cNvPicPr>
+            <a:picLocks noChangeAspect="1"/>
+          </p:cNvPicPr>
+          <p:nvPr/>
+        </p:nvPicPr>
+        <p:blipFill>
+          <a:blip r:embed="rId4"/>
+          <a:stretch>
+            <a:fillRect/>
+          </a:stretch>
+        </p:blipFill>
+        <p:spPr>
+          <a:xfrm>
+            <a:off x="4608449" y="2418461"/>
+            <a:ext cx="7760144" cy="2610740"/>
+          </a:xfrm>
+          <a:prstGeom prst="rect">
+            <a:avLst/>
+          </a:prstGeom>
+        </p:spPr>
+      </p:pic>
+    </p:spTree>
+    <p:extLst>
+      <p:ext uri="{BB962C8B-B14F-4D97-AF65-F5344CB8AC3E}">
+        <p14:creationId xmlns:p14="http://schemas.microsoft.com/office/powerpoint/2010/main" val="2485775207"/>
       </p:ext>
     </p:extLst>
   </p:cSld>
